--- a/TUGAIT 2017 - Pester/TUGAIT 2017 - Introduction to Pester.pptx
+++ b/TUGAIT 2017 - Pester/TUGAIT 2017 - Introduction to Pester.pptx
@@ -118,10 +118,6 @@
     </p:ext>
   </p:extLst>
 </p:presentation>
-</file>
-
-<file path=ppt/revisionInfo.xml><?xml version="1.0" encoding="utf-8"?>
-<p1510:revInfo xmlns:a="http://schemas.openxmlformats.org/drawingml/2006/main" xmlns:r="http://schemas.openxmlformats.org/officeDocument/2006/relationships" xmlns:p1510="http://schemas.microsoft.com/office/powerpoint/2015/10/main"/>
 </file>
 
 <file path=ppt/slideLayouts/slideLayout1.xml><?xml version="1.0" encoding="utf-8"?>
@@ -3875,6 +3871,7 @@
             <a:schemeClr val="accent1">
               <a:lumMod val="40000"/>
               <a:lumOff val="60000"/>
+              <a:alpha val="29000"/>
             </a:schemeClr>
           </a:solidFill>
         </p:spPr>
@@ -4050,32 +4047,14 @@
               <a:buNone/>
             </a:pPr>
             <a:r>
-              <a:rPr lang="en-GB" sz="4800" dirty="0">
-                <a:solidFill>
-                  <a:prstClr val="black">
-                    <a:tint val="75000"/>
-                  </a:prstClr>
-                </a:solidFill>
-              </a:rPr>
+              <a:rPr lang="en-GB" sz="4800" dirty="0"/>
               <a:t>Pester provides a framework for </a:t>
             </a:r>
             <a:r>
-              <a:rPr lang="en-GB" sz="4800" b="1" dirty="0">
-                <a:solidFill>
-                  <a:prstClr val="black">
-                    <a:tint val="75000"/>
-                  </a:prstClr>
-                </a:solidFill>
-              </a:rPr>
+              <a:rPr lang="en-GB" sz="4800" b="1" dirty="0"/>
               <a:t>running unit tests to execute and validate PowerShell commands from within PowerShell</a:t>
             </a:r>
-            <a:endParaRPr lang="en-GB" sz="4800" dirty="0">
-              <a:solidFill>
-                <a:prstClr val="black">
-                  <a:tint val="75000"/>
-                </a:prstClr>
-              </a:solidFill>
-            </a:endParaRPr>
+            <a:endParaRPr lang="en-GB" sz="4800" dirty="0"/>
           </a:p>
         </p:txBody>
       </p:sp>
@@ -4097,6 +4076,7 @@
             <a:schemeClr val="accent1">
               <a:lumMod val="40000"/>
               <a:lumOff val="60000"/>
+              <a:alpha val="28000"/>
             </a:schemeClr>
           </a:solidFill>
         </p:spPr>
@@ -4241,14 +4221,16 @@
         </p:nvSpPr>
         <p:spPr>
           <a:xfrm>
-            <a:off x="251520" y="1916832"/>
-            <a:ext cx="8640960" cy="4392488"/>
+            <a:off x="345466" y="1365688"/>
+            <a:ext cx="11560524" cy="4891064"/>
           </a:xfrm>
           <a:prstGeom prst="rect">
             <a:avLst/>
           </a:prstGeom>
           <a:solidFill>
-            <a:srgbClr val="FFFF00"/>
+            <a:srgbClr val="FFFFFF">
+              <a:alpha val="33000"/>
+            </a:srgbClr>
           </a:solidFill>
         </p:spPr>
         <p:txBody>
@@ -4423,14 +4405,74 @@
               <a:buNone/>
             </a:pPr>
             <a:r>
-              <a:rPr lang="en-GB" sz="3600" dirty="0">
-                <a:solidFill>
-                  <a:prstClr val="black">
-                    <a:tint val="75000"/>
-                  </a:prstClr>
-                </a:solidFill>
-              </a:rPr>
-              <a:t>Put Install module import module get module gif here </a:t>
+              <a:rPr lang="en-GB" sz="3600" dirty="0"/>
+              <a:t>If you have PowerShell V5 or above you already have it. </a:t>
+            </a:r>
+            <a:br>
+              <a:rPr lang="en-GB" sz="3600" dirty="0"/>
+            </a:br>
+            <a:r>
+              <a:rPr lang="en-GB" sz="3600" dirty="0"/>
+              <a:t>You should update it using</a:t>
+            </a:r>
+          </a:p>
+          <a:p>
+            <a:pPr marL="0" indent="0">
+              <a:buFont typeface="Arial" panose="020B0604020202020204" pitchFamily="34" charset="0"/>
+              <a:buNone/>
+            </a:pPr>
+            <a:endParaRPr lang="en-GB" sz="1100" dirty="0"/>
+          </a:p>
+          <a:p>
+            <a:pPr marL="0" indent="0">
+              <a:buFont typeface="Arial" panose="020B0604020202020204" pitchFamily="34" charset="0"/>
+              <a:buNone/>
+            </a:pPr>
+            <a:r>
+              <a:rPr lang="en-GB" sz="3600" dirty="0"/>
+              <a:t>Update-Module Pester</a:t>
+            </a:r>
+          </a:p>
+          <a:p>
+            <a:pPr marL="0" indent="0">
+              <a:buFont typeface="Arial" panose="020B0604020202020204" pitchFamily="34" charset="0"/>
+              <a:buNone/>
+            </a:pPr>
+            <a:endParaRPr lang="en-GB" sz="1100" dirty="0"/>
+          </a:p>
+          <a:p>
+            <a:pPr marL="0" indent="0">
+              <a:buFont typeface="Arial" panose="020B0604020202020204" pitchFamily="34" charset="0"/>
+              <a:buNone/>
+            </a:pPr>
+            <a:r>
+              <a:rPr lang="en-GB" sz="3600" dirty="0"/>
+              <a:t>If Not</a:t>
+            </a:r>
+          </a:p>
+          <a:p>
+            <a:pPr marL="0" indent="0">
+              <a:buFont typeface="Arial" panose="020B0604020202020204" pitchFamily="34" charset="0"/>
+              <a:buNone/>
+            </a:pPr>
+            <a:endParaRPr lang="en-GB" sz="1100" dirty="0"/>
+          </a:p>
+          <a:p>
+            <a:pPr marL="0" indent="0">
+              <a:buFont typeface="Arial" panose="020B0604020202020204" pitchFamily="34" charset="0"/>
+              <a:buNone/>
+            </a:pPr>
+            <a:r>
+              <a:rPr lang="en-GB" sz="3600" dirty="0"/>
+              <a:t>Install-Module Pester (use –Scope </a:t>
+            </a:r>
+            <a:r>
+              <a:rPr lang="en-GB" sz="3600" dirty="0" err="1"/>
+              <a:t>CurrentUser</a:t>
+            </a:r>
+            <a:r>
+              <a:rPr lang="en-GB" sz="3600" dirty="0"/>
+              <a:t> if not admin)</a:t>
             </a:r>
           </a:p>
           <a:p>
@@ -4820,8 +4862,8 @@
         </p:nvSpPr>
         <p:spPr>
           <a:xfrm>
-            <a:off x="1732990" y="63995"/>
-            <a:ext cx="8594652" cy="2308324"/>
+            <a:off x="1716028" y="0"/>
+            <a:ext cx="8594652" cy="1200329"/>
           </a:xfrm>
           <a:prstGeom prst="rect">
             <a:avLst/>
@@ -4845,7 +4887,7 @@
                 </a:solidFill>
                 <a:latin typeface="Gill Sans MT Condensed" panose="020B0506020104020203" pitchFamily="34" charset="0"/>
               </a:rPr>
-              <a:t>Summat about TDD and about Environmental Validation</a:t>
+              <a:t>Environmental Validation</a:t>
             </a:r>
           </a:p>
         </p:txBody>
@@ -4890,12 +4932,19 @@
         </p:nvSpPr>
         <p:spPr>
           <a:xfrm>
-            <a:off x="2055268" y="2649605"/>
-            <a:ext cx="8640960" cy="1872291"/>
+            <a:off x="276572" y="1133604"/>
+            <a:ext cx="5278722" cy="4784593"/>
           </a:xfrm>
           <a:prstGeom prst="rect">
             <a:avLst/>
           </a:prstGeom>
+          <a:solidFill>
+            <a:schemeClr val="accent1">
+              <a:lumMod val="40000"/>
+              <a:lumOff val="60000"/>
+              <a:alpha val="31000"/>
+            </a:schemeClr>
+          </a:solidFill>
         </p:spPr>
         <p:txBody>
           <a:bodyPr/>
@@ -5064,43 +5113,92 @@
             </a:lvl9pPr>
           </a:lstStyle>
           <a:p>
+            <a:pPr marL="0" indent="0" algn="ctr">
+              <a:buFont typeface="Arial" panose="020B0604020202020204" pitchFamily="34" charset="0"/>
+              <a:buNone/>
+            </a:pPr>
+            <a:r>
+              <a:rPr lang="en-GB" sz="3600" dirty="0"/>
+              <a:t>As Pester is just PowerShell you can use it to validate the results of any PowerShell command</a:t>
+            </a:r>
+          </a:p>
+          <a:p>
             <a:pPr marL="0" indent="0">
               <a:buFont typeface="Arial" panose="020B0604020202020204" pitchFamily="34" charset="0"/>
               <a:buNone/>
             </a:pPr>
-            <a:r>
-              <a:rPr lang="en-GB" sz="3600" dirty="0">
-                <a:solidFill>
-                  <a:prstClr val="black">
-                    <a:tint val="75000"/>
-                  </a:prstClr>
-                </a:solidFill>
-              </a:rPr>
-              <a:t>Pester provides a framework for </a:t>
-            </a:r>
-            <a:r>
-              <a:rPr lang="en-GB" sz="3600" b="1" dirty="0">
-                <a:solidFill>
-                  <a:prstClr val="black">
-                    <a:tint val="75000"/>
-                  </a:prstClr>
-                </a:solidFill>
-              </a:rPr>
-              <a:t>running unit tests to execute and validate PowerShell commands from within PowerShell</a:t>
-            </a:r>
-            <a:endParaRPr lang="en-GB" sz="3600" dirty="0">
-              <a:solidFill>
-                <a:prstClr val="black">
-                  <a:tint val="75000"/>
-                </a:prstClr>
-              </a:solidFill>
-            </a:endParaRPr>
+            <a:endParaRPr lang="en-GB" sz="3600" dirty="0"/>
+          </a:p>
+          <a:p>
+            <a:pPr marL="0" indent="0" algn="ctr">
+              <a:buFont typeface="Arial" panose="020B0604020202020204" pitchFamily="34" charset="0"/>
+              <a:buNone/>
+            </a:pPr>
+            <a:r>
+              <a:rPr lang="en-GB" sz="3600" dirty="0"/>
+              <a:t>This is </a:t>
+            </a:r>
+            <a:br>
+              <a:rPr lang="en-GB" sz="3600" dirty="0"/>
+            </a:br>
+            <a:r>
+              <a:rPr lang="en-GB" sz="3600" dirty="0"/>
+              <a:t>BRILLIANT </a:t>
+            </a:r>
+            <a:br>
+              <a:rPr lang="en-GB" sz="3600" dirty="0"/>
+            </a:br>
+            <a:r>
+              <a:rPr lang="en-GB" sz="3600" dirty="0"/>
+              <a:t>for validating your environment</a:t>
+            </a:r>
           </a:p>
           <a:p>
             <a:endParaRPr lang="de-DE" dirty="0"/>
           </a:p>
         </p:txBody>
       </p:sp>
+      <p:pic>
+        <p:nvPicPr>
+          <p:cNvPr id="2050" name="Picture 2" descr="pester ola check.PNG"/>
+          <p:cNvPicPr>
+            <a:picLocks noChangeAspect="1" noChangeArrowheads="1"/>
+          </p:cNvPicPr>
+          <p:nvPr/>
+        </p:nvPicPr>
+        <p:blipFill>
+          <a:blip r:embed="rId4">
+            <a:extLst>
+              <a:ext uri="{28A0092B-C50C-407E-A947-70E740481C1C}">
+                <a14:useLocalDpi xmlns:a14="http://schemas.microsoft.com/office/drawing/2010/main" val="0"/>
+              </a:ext>
+            </a:extLst>
+          </a:blip>
+          <a:srcRect/>
+          <a:stretch>
+            <a:fillRect/>
+          </a:stretch>
+        </p:blipFill>
+        <p:spPr bwMode="auto">
+          <a:xfrm>
+            <a:off x="6471414" y="1133604"/>
+            <a:ext cx="5087181" cy="4828785"/>
+          </a:xfrm>
+          <a:prstGeom prst="rect">
+            <a:avLst/>
+          </a:prstGeom>
+          <a:noFill/>
+          <a:extLst>
+            <a:ext uri="{909E8E84-426E-40DD-AFC4-6F175D3DCCD1}">
+              <a14:hiddenFill xmlns:a14="http://schemas.microsoft.com/office/drawing/2010/main">
+                <a:solidFill>
+                  <a:srgbClr val="FFFFFF"/>
+                </a:solidFill>
+              </a14:hiddenFill>
+            </a:ext>
+          </a:extLst>
+        </p:spPr>
+      </p:pic>
     </p:spTree>
     <p:extLst>
       <p:ext uri="{BB962C8B-B14F-4D97-AF65-F5344CB8AC3E}">
@@ -5414,7 +5512,11 @@
           <a:prstGeom prst="rect">
             <a:avLst/>
           </a:prstGeom>
-          <a:noFill/>
+          <a:solidFill>
+            <a:srgbClr val="FFFFFF">
+              <a:alpha val="55000"/>
+            </a:srgbClr>
+          </a:solidFill>
         </p:spPr>
         <p:txBody>
           <a:bodyPr wrap="square" rtlCol="0">
@@ -5725,11 +5827,7 @@
           <a:p>
             <a:r>
               <a:rPr lang="en-GB" sz="2800" dirty="0"/>
-              <a:t>Rob Sewell </a:t>
-            </a:r>
-            <a:r>
-              <a:rPr lang="en-GB" sz="2800"/>
-              <a:t>- 	@</a:t>
+              <a:t>Rob Sewell - 	@</a:t>
             </a:r>
             <a:r>
               <a:rPr lang="en-GB" sz="2800" dirty="0" err="1"/>

--- a/TUGAIT 2017 - Pester/TUGAIT 2017 - Introduction to Pester.pptx
+++ b/TUGAIT 2017 - Pester/TUGAIT 2017 - Introduction to Pester.pptx
@@ -4222,7 +4222,7 @@
         <p:spPr>
           <a:xfrm>
             <a:off x="345466" y="1365688"/>
-            <a:ext cx="11560524" cy="4891064"/>
+            <a:ext cx="5685816" cy="3945348"/>
           </a:xfrm>
           <a:prstGeom prst="rect">
             <a:avLst/>
@@ -4408,6 +4408,12 @@
               <a:rPr lang="en-GB" sz="3600" dirty="0"/>
               <a:t>If you have PowerShell V5 or above you already have it. </a:t>
             </a:r>
+          </a:p>
+          <a:p>
+            <a:pPr marL="0" indent="0">
+              <a:buFont typeface="Arial" panose="020B0604020202020204" pitchFamily="34" charset="0"/>
+              <a:buNone/>
+            </a:pPr>
             <a:br>
               <a:rPr lang="en-GB" sz="3600" dirty="0"/>
             </a:br>
@@ -4441,27 +4447,41 @@
             <a:endParaRPr lang="en-GB" sz="1100" dirty="0"/>
           </a:p>
           <a:p>
-            <a:pPr marL="0" indent="0">
-              <a:buFont typeface="Arial" panose="020B0604020202020204" pitchFamily="34" charset="0"/>
-              <a:buNone/>
-            </a:pPr>
+            <a:endParaRPr lang="de-DE" dirty="0"/>
+          </a:p>
+        </p:txBody>
+      </p:sp>
+      <p:sp>
+        <p:nvSpPr>
+          <p:cNvPr id="2" name="TextBox 1"/>
+          <p:cNvSpPr txBox="1"/>
+          <p:nvPr/>
+        </p:nvSpPr>
+        <p:spPr>
+          <a:xfrm>
+            <a:off x="6933156" y="1703540"/>
+            <a:ext cx="4922729" cy="3139321"/>
+          </a:xfrm>
+          <a:prstGeom prst="rect">
+            <a:avLst/>
+          </a:prstGeom>
+          <a:noFill/>
+        </p:spPr>
+        <p:txBody>
+          <a:bodyPr wrap="square" rtlCol="0">
+            <a:spAutoFit/>
+          </a:bodyPr>
+          <a:lstStyle/>
+          <a:p>
             <a:r>
               <a:rPr lang="en-GB" sz="3600" dirty="0"/>
               <a:t>If Not</a:t>
             </a:r>
           </a:p>
           <a:p>
-            <a:pPr marL="0" indent="0">
-              <a:buFont typeface="Arial" panose="020B0604020202020204" pitchFamily="34" charset="0"/>
-              <a:buNone/>
-            </a:pPr>
-            <a:endParaRPr lang="en-GB" sz="1100" dirty="0"/>
-          </a:p>
-          <a:p>
-            <a:pPr marL="0" indent="0">
-              <a:buFont typeface="Arial" panose="020B0604020202020204" pitchFamily="34" charset="0"/>
-              <a:buNone/>
-            </a:pPr>
+            <a:endParaRPr lang="en-GB" sz="3600" dirty="0"/>
+          </a:p>
+          <a:p>
             <a:r>
               <a:rPr lang="en-GB" sz="3600" dirty="0"/>
               <a:t>Install-Module Pester (use –Scope </a:t>
@@ -4476,7 +4496,7 @@
             </a:r>
           </a:p>
           <a:p>
-            <a:endParaRPr lang="de-DE" dirty="0"/>
+            <a:endParaRPr lang="en-GB" dirty="0"/>
           </a:p>
         </p:txBody>
       </p:sp>
@@ -4490,6 +4510,84 @@
   <p:clrMapOvr>
     <a:masterClrMapping/>
   </p:clrMapOvr>
+  <p:timing>
+    <p:tnLst>
+      <p:par>
+        <p:cTn id="1" dur="indefinite" restart="never" nodeType="tmRoot">
+          <p:childTnLst>
+            <p:seq concurrent="1" nextAc="seek">
+              <p:cTn id="2" dur="indefinite" nodeType="mainSeq">
+                <p:childTnLst>
+                  <p:par>
+                    <p:cTn id="3" fill="hold">
+                      <p:stCondLst>
+                        <p:cond delay="indefinite"/>
+                      </p:stCondLst>
+                      <p:childTnLst>
+                        <p:par>
+                          <p:cTn id="4" fill="hold">
+                            <p:stCondLst>
+                              <p:cond delay="0"/>
+                            </p:stCondLst>
+                            <p:childTnLst>
+                              <p:par>
+                                <p:cTn id="5" presetID="1" presetClass="entr" presetSubtype="0" fill="hold" grpId="0" nodeType="clickEffect">
+                                  <p:stCondLst>
+                                    <p:cond delay="0"/>
+                                  </p:stCondLst>
+                                  <p:childTnLst>
+                                    <p:set>
+                                      <p:cBhvr>
+                                        <p:cTn id="6" dur="1" fill="hold">
+                                          <p:stCondLst>
+                                            <p:cond delay="0"/>
+                                          </p:stCondLst>
+                                        </p:cTn>
+                                        <p:tgtEl>
+                                          <p:spTgt spid="2"/>
+                                        </p:tgtEl>
+                                        <p:attrNameLst>
+                                          <p:attrName>style.visibility</p:attrName>
+                                        </p:attrNameLst>
+                                      </p:cBhvr>
+                                      <p:to>
+                                        <p:strVal val="visible"/>
+                                      </p:to>
+                                    </p:set>
+                                  </p:childTnLst>
+                                </p:cTn>
+                              </p:par>
+                            </p:childTnLst>
+                          </p:cTn>
+                        </p:par>
+                      </p:childTnLst>
+                    </p:cTn>
+                  </p:par>
+                </p:childTnLst>
+              </p:cTn>
+              <p:prevCondLst>
+                <p:cond evt="onPrev" delay="0">
+                  <p:tgtEl>
+                    <p:sldTgt/>
+                  </p:tgtEl>
+                </p:cond>
+              </p:prevCondLst>
+              <p:nextCondLst>
+                <p:cond evt="onNext" delay="0">
+                  <p:tgtEl>
+                    <p:sldTgt/>
+                  </p:tgtEl>
+                </p:cond>
+              </p:nextCondLst>
+            </p:seq>
+          </p:childTnLst>
+        </p:cTn>
+      </p:par>
+    </p:tnLst>
+    <p:bldLst>
+      <p:bldP spid="2" grpId="0"/>
+    </p:bldLst>
+  </p:timing>
 </p:sld>
 </file>
 
@@ -5319,7 +5417,7 @@
         </p:nvSpPr>
         <p:spPr>
           <a:xfrm>
-            <a:off x="720245" y="1152395"/>
+            <a:off x="883083" y="1264324"/>
             <a:ext cx="4427952" cy="2616101"/>
           </a:xfrm>
           <a:prstGeom prst="rect">
@@ -5378,8 +5476,8 @@
         </p:blipFill>
         <p:spPr>
           <a:xfrm>
-            <a:off x="8415036" y="482251"/>
-            <a:ext cx="2925351" cy="5187928"/>
+            <a:off x="8283514" y="1164919"/>
+            <a:ext cx="2419124" cy="4290166"/>
           </a:xfrm>
           <a:prstGeom prst="rect">
             <a:avLst/>
@@ -5396,6 +5494,111 @@
   <p:clrMapOvr>
     <a:masterClrMapping/>
   </p:clrMapOvr>
+  <p:timing>
+    <p:tnLst>
+      <p:par>
+        <p:cTn id="1" dur="indefinite" restart="never" nodeType="tmRoot">
+          <p:childTnLst>
+            <p:seq concurrent="1" nextAc="seek">
+              <p:cTn id="2" dur="indefinite" nodeType="mainSeq">
+                <p:childTnLst>
+                  <p:par>
+                    <p:cTn id="3" fill="hold">
+                      <p:stCondLst>
+                        <p:cond delay="indefinite"/>
+                      </p:stCondLst>
+                      <p:childTnLst>
+                        <p:par>
+                          <p:cTn id="4" fill="hold">
+                            <p:stCondLst>
+                              <p:cond delay="0"/>
+                            </p:stCondLst>
+                            <p:childTnLst>
+                              <p:par>
+                                <p:cTn id="5" presetID="1" presetClass="entr" presetSubtype="0" fill="hold" nodeType="clickEffect">
+                                  <p:stCondLst>
+                                    <p:cond delay="0"/>
+                                  </p:stCondLst>
+                                  <p:childTnLst>
+                                    <p:set>
+                                      <p:cBhvr>
+                                        <p:cTn id="6" dur="1" fill="hold">
+                                          <p:stCondLst>
+                                            <p:cond delay="0"/>
+                                          </p:stCondLst>
+                                        </p:cTn>
+                                        <p:tgtEl>
+                                          <p:spTgt spid="4"/>
+                                        </p:tgtEl>
+                                        <p:attrNameLst>
+                                          <p:attrName>style.visibility</p:attrName>
+                                        </p:attrNameLst>
+                                      </p:cBhvr>
+                                      <p:to>
+                                        <p:strVal val="visible"/>
+                                      </p:to>
+                                    </p:set>
+                                  </p:childTnLst>
+                                </p:cTn>
+                              </p:par>
+                              <p:par>
+                                <p:cTn id="7" presetID="1" presetClass="entr" presetSubtype="0" fill="hold" grpId="0" nodeType="withEffect">
+                                  <p:stCondLst>
+                                    <p:cond delay="0"/>
+                                  </p:stCondLst>
+                                  <p:childTnLst>
+                                    <p:set>
+                                      <p:cBhvr>
+                                        <p:cTn id="8" dur="1" fill="hold">
+                                          <p:stCondLst>
+                                            <p:cond delay="0"/>
+                                          </p:stCondLst>
+                                        </p:cTn>
+                                        <p:tgtEl>
+                                          <p:spTgt spid="2"/>
+                                        </p:tgtEl>
+                                        <p:attrNameLst>
+                                          <p:attrName>style.visibility</p:attrName>
+                                        </p:attrNameLst>
+                                      </p:cBhvr>
+                                      <p:to>
+                                        <p:strVal val="visible"/>
+                                      </p:to>
+                                    </p:set>
+                                  </p:childTnLst>
+                                </p:cTn>
+                              </p:par>
+                            </p:childTnLst>
+                          </p:cTn>
+                        </p:par>
+                      </p:childTnLst>
+                    </p:cTn>
+                  </p:par>
+                </p:childTnLst>
+              </p:cTn>
+              <p:prevCondLst>
+                <p:cond evt="onPrev" delay="0">
+                  <p:tgtEl>
+                    <p:sldTgt/>
+                  </p:tgtEl>
+                </p:cond>
+              </p:prevCondLst>
+              <p:nextCondLst>
+                <p:cond evt="onNext" delay="0">
+                  <p:tgtEl>
+                    <p:sldTgt/>
+                  </p:tgtEl>
+                </p:cond>
+              </p:nextCondLst>
+            </p:seq>
+          </p:childTnLst>
+        </p:cTn>
+      </p:par>
+    </p:tnLst>
+    <p:bldLst>
+      <p:bldP spid="2" grpId="0"/>
+    </p:bldLst>
+  </p:timing>
 </p:sld>
 </file>
 
@@ -5506,8 +5709,8 @@
         </p:nvSpPr>
         <p:spPr>
           <a:xfrm>
-            <a:off x="720245" y="1152395"/>
-            <a:ext cx="10716018" cy="3847207"/>
+            <a:off x="672307" y="1583739"/>
+            <a:ext cx="10716018" cy="4339650"/>
           </a:xfrm>
           <a:prstGeom prst="rect">
             <a:avLst/>
@@ -5550,6 +5753,10 @@
               <a:rPr lang="en-GB" sz="3200" dirty="0"/>
               <a:t> and exists within the scope of a Describe block</a:t>
             </a:r>
+            <a:br>
+              <a:rPr lang="en-GB" sz="3200" dirty="0"/>
+            </a:br>
+            <a:endParaRPr lang="en-GB" sz="3200" dirty="0"/>
           </a:p>
           <a:p>
             <a:r>

--- a/TUGAIT 2017 - Pester/TUGAIT 2017 - Introduction to Pester.pptx
+++ b/TUGAIT 2017 - Pester/TUGAIT 2017 - Introduction to Pester.pptx
@@ -4,16 +4,20 @@
   <p:sldMasterIdLst>
     <p:sldMasterId id="2147483648" r:id="rId1"/>
   </p:sldMasterIdLst>
+  <p:notesMasterIdLst>
+    <p:notesMasterId r:id="rId12"/>
+  </p:notesMasterIdLst>
   <p:sldIdLst>
     <p:sldId id="256" r:id="rId2"/>
     <p:sldId id="261" r:id="rId3"/>
     <p:sldId id="262" r:id="rId4"/>
-    <p:sldId id="264" r:id="rId5"/>
-    <p:sldId id="265" r:id="rId6"/>
-    <p:sldId id="263" r:id="rId7"/>
-    <p:sldId id="266" r:id="rId8"/>
-    <p:sldId id="268" r:id="rId9"/>
-    <p:sldId id="267" r:id="rId10"/>
+    <p:sldId id="269" r:id="rId5"/>
+    <p:sldId id="264" r:id="rId6"/>
+    <p:sldId id="265" r:id="rId7"/>
+    <p:sldId id="263" r:id="rId8"/>
+    <p:sldId id="266" r:id="rId9"/>
+    <p:sldId id="268" r:id="rId10"/>
+    <p:sldId id="267" r:id="rId11"/>
   </p:sldIdLst>
   <p:sldSz cx="12192000" cy="6858000"/>
   <p:notesSz cx="6858000" cy="9144000"/>
@@ -120,6 +124,555 @@
 </p:presentation>
 </file>
 
+<file path=ppt/notesMasters/notesMaster1.xml><?xml version="1.0" encoding="utf-8"?>
+<p:notesMaster xmlns:a="http://schemas.openxmlformats.org/drawingml/2006/main" xmlns:r="http://schemas.openxmlformats.org/officeDocument/2006/relationships" xmlns:p="http://schemas.openxmlformats.org/presentationml/2006/main">
+  <p:cSld>
+    <p:bg>
+      <p:bgRef idx="1001">
+        <a:schemeClr val="bg1"/>
+      </p:bgRef>
+    </p:bg>
+    <p:spTree>
+      <p:nvGrpSpPr>
+        <p:cNvPr id="1" name=""/>
+        <p:cNvGrpSpPr/>
+        <p:nvPr/>
+      </p:nvGrpSpPr>
+      <p:grpSpPr>
+        <a:xfrm>
+          <a:off x="0" y="0"/>
+          <a:ext cx="0" cy="0"/>
+          <a:chOff x="0" y="0"/>
+          <a:chExt cx="0" cy="0"/>
+        </a:xfrm>
+      </p:grpSpPr>
+      <p:sp>
+        <p:nvSpPr>
+          <p:cNvPr id="2" name="Header Placeholder 1"/>
+          <p:cNvSpPr>
+            <a:spLocks noGrp="1"/>
+          </p:cNvSpPr>
+          <p:nvPr>
+            <p:ph type="hdr" sz="quarter"/>
+          </p:nvPr>
+        </p:nvSpPr>
+        <p:spPr>
+          <a:xfrm>
+            <a:off x="0" y="0"/>
+            <a:ext cx="2971800" cy="458788"/>
+          </a:xfrm>
+          <a:prstGeom prst="rect">
+            <a:avLst/>
+          </a:prstGeom>
+        </p:spPr>
+        <p:txBody>
+          <a:bodyPr vert="horz" lIns="91440" tIns="45720" rIns="91440" bIns="45720" rtlCol="0"/>
+          <a:lstStyle>
+            <a:lvl1pPr algn="l">
+              <a:defRPr sz="1200"/>
+            </a:lvl1pPr>
+          </a:lstStyle>
+          <a:p>
+            <a:endParaRPr lang="en-GB"/>
+          </a:p>
+        </p:txBody>
+      </p:sp>
+      <p:sp>
+        <p:nvSpPr>
+          <p:cNvPr id="3" name="Date Placeholder 2"/>
+          <p:cNvSpPr>
+            <a:spLocks noGrp="1"/>
+          </p:cNvSpPr>
+          <p:nvPr>
+            <p:ph type="dt" idx="1"/>
+          </p:nvPr>
+        </p:nvSpPr>
+        <p:spPr>
+          <a:xfrm>
+            <a:off x="3884613" y="0"/>
+            <a:ext cx="2971800" cy="458788"/>
+          </a:xfrm>
+          <a:prstGeom prst="rect">
+            <a:avLst/>
+          </a:prstGeom>
+        </p:spPr>
+        <p:txBody>
+          <a:bodyPr vert="horz" lIns="91440" tIns="45720" rIns="91440" bIns="45720" rtlCol="0"/>
+          <a:lstStyle>
+            <a:lvl1pPr algn="r">
+              <a:defRPr sz="1200"/>
+            </a:lvl1pPr>
+          </a:lstStyle>
+          <a:p>
+            <a:fld id="{26835C53-25D9-4FBA-BE0F-50AE2762F010}" type="datetimeFigureOut">
+              <a:rPr lang="en-GB" smtClean="0"/>
+              <a:t>18/05/2017</a:t>
+            </a:fld>
+            <a:endParaRPr lang="en-GB"/>
+          </a:p>
+        </p:txBody>
+      </p:sp>
+      <p:sp>
+        <p:nvSpPr>
+          <p:cNvPr id="4" name="Slide Image Placeholder 3"/>
+          <p:cNvSpPr>
+            <a:spLocks noGrp="1" noRot="1" noChangeAspect="1"/>
+          </p:cNvSpPr>
+          <p:nvPr>
+            <p:ph type="sldImg" idx="2"/>
+          </p:nvPr>
+        </p:nvSpPr>
+        <p:spPr>
+          <a:xfrm>
+            <a:off x="685800" y="1143000"/>
+            <a:ext cx="5486400" cy="3086100"/>
+          </a:xfrm>
+          <a:prstGeom prst="rect">
+            <a:avLst/>
+          </a:prstGeom>
+          <a:noFill/>
+          <a:ln w="12700">
+            <a:solidFill>
+              <a:prstClr val="black"/>
+            </a:solidFill>
+          </a:ln>
+        </p:spPr>
+        <p:txBody>
+          <a:bodyPr vert="horz" lIns="91440" tIns="45720" rIns="91440" bIns="45720" rtlCol="0" anchor="ctr"/>
+          <a:lstStyle/>
+          <a:p>
+            <a:endParaRPr lang="en-GB"/>
+          </a:p>
+        </p:txBody>
+      </p:sp>
+      <p:sp>
+        <p:nvSpPr>
+          <p:cNvPr id="5" name="Notes Placeholder 4"/>
+          <p:cNvSpPr>
+            <a:spLocks noGrp="1"/>
+          </p:cNvSpPr>
+          <p:nvPr>
+            <p:ph type="body" sz="quarter" idx="3"/>
+          </p:nvPr>
+        </p:nvSpPr>
+        <p:spPr>
+          <a:xfrm>
+            <a:off x="685800" y="4400550"/>
+            <a:ext cx="5486400" cy="3600450"/>
+          </a:xfrm>
+          <a:prstGeom prst="rect">
+            <a:avLst/>
+          </a:prstGeom>
+        </p:spPr>
+        <p:txBody>
+          <a:bodyPr vert="horz" lIns="91440" tIns="45720" rIns="91440" bIns="45720" rtlCol="0"/>
+          <a:lstStyle/>
+          <a:p>
+            <a:pPr lvl="0"/>
+            <a:r>
+              <a:rPr lang="en-US"/>
+              <a:t>Edit Master text styles</a:t>
+            </a:r>
+          </a:p>
+          <a:p>
+            <a:pPr lvl="1"/>
+            <a:r>
+              <a:rPr lang="en-US"/>
+              <a:t>Second level</a:t>
+            </a:r>
+          </a:p>
+          <a:p>
+            <a:pPr lvl="2"/>
+            <a:r>
+              <a:rPr lang="en-US"/>
+              <a:t>Third level</a:t>
+            </a:r>
+          </a:p>
+          <a:p>
+            <a:pPr lvl="3"/>
+            <a:r>
+              <a:rPr lang="en-US"/>
+              <a:t>Fourth level</a:t>
+            </a:r>
+          </a:p>
+          <a:p>
+            <a:pPr lvl="4"/>
+            <a:r>
+              <a:rPr lang="en-US"/>
+              <a:t>Fifth level</a:t>
+            </a:r>
+            <a:endParaRPr lang="en-GB"/>
+          </a:p>
+        </p:txBody>
+      </p:sp>
+      <p:sp>
+        <p:nvSpPr>
+          <p:cNvPr id="6" name="Footer Placeholder 5"/>
+          <p:cNvSpPr>
+            <a:spLocks noGrp="1"/>
+          </p:cNvSpPr>
+          <p:nvPr>
+            <p:ph type="ftr" sz="quarter" idx="4"/>
+          </p:nvPr>
+        </p:nvSpPr>
+        <p:spPr>
+          <a:xfrm>
+            <a:off x="0" y="8685213"/>
+            <a:ext cx="2971800" cy="458787"/>
+          </a:xfrm>
+          <a:prstGeom prst="rect">
+            <a:avLst/>
+          </a:prstGeom>
+        </p:spPr>
+        <p:txBody>
+          <a:bodyPr vert="horz" lIns="91440" tIns="45720" rIns="91440" bIns="45720" rtlCol="0" anchor="b"/>
+          <a:lstStyle>
+            <a:lvl1pPr algn="l">
+              <a:defRPr sz="1200"/>
+            </a:lvl1pPr>
+          </a:lstStyle>
+          <a:p>
+            <a:endParaRPr lang="en-GB"/>
+          </a:p>
+        </p:txBody>
+      </p:sp>
+      <p:sp>
+        <p:nvSpPr>
+          <p:cNvPr id="7" name="Slide Number Placeholder 6"/>
+          <p:cNvSpPr>
+            <a:spLocks noGrp="1"/>
+          </p:cNvSpPr>
+          <p:nvPr>
+            <p:ph type="sldNum" sz="quarter" idx="5"/>
+          </p:nvPr>
+        </p:nvSpPr>
+        <p:spPr>
+          <a:xfrm>
+            <a:off x="3884613" y="8685213"/>
+            <a:ext cx="2971800" cy="458787"/>
+          </a:xfrm>
+          <a:prstGeom prst="rect">
+            <a:avLst/>
+          </a:prstGeom>
+        </p:spPr>
+        <p:txBody>
+          <a:bodyPr vert="horz" lIns="91440" tIns="45720" rIns="91440" bIns="45720" rtlCol="0" anchor="b"/>
+          <a:lstStyle>
+            <a:lvl1pPr algn="r">
+              <a:defRPr sz="1200"/>
+            </a:lvl1pPr>
+          </a:lstStyle>
+          <a:p>
+            <a:fld id="{33A7E92C-A6B2-4CD9-A188-8139E6D44A16}" type="slidenum">
+              <a:rPr lang="en-GB" smtClean="0"/>
+              <a:t>‹#›</a:t>
+            </a:fld>
+            <a:endParaRPr lang="en-GB"/>
+          </a:p>
+        </p:txBody>
+      </p:sp>
+    </p:spTree>
+    <p:extLst>
+      <p:ext uri="{BB962C8B-B14F-4D97-AF65-F5344CB8AC3E}">
+        <p14:creationId xmlns:p14="http://schemas.microsoft.com/office/powerpoint/2010/main" val="141388518"/>
+      </p:ext>
+    </p:extLst>
+  </p:cSld>
+  <p:clrMap bg1="lt1" tx1="dk1" bg2="lt2" tx2="dk2" accent1="accent1" accent2="accent2" accent3="accent3" accent4="accent4" accent5="accent5" accent6="accent6" hlink="hlink" folHlink="folHlink"/>
+  <p:notesStyle>
+    <a:lvl1pPr marL="0" algn="l" defTabSz="914400" rtl="0" eaLnBrk="1" latinLnBrk="0" hangingPunct="1">
+      <a:defRPr sz="1200" kern="1200">
+        <a:solidFill>
+          <a:schemeClr val="tx1"/>
+        </a:solidFill>
+        <a:latin typeface="+mn-lt"/>
+        <a:ea typeface="+mn-ea"/>
+        <a:cs typeface="+mn-cs"/>
+      </a:defRPr>
+    </a:lvl1pPr>
+    <a:lvl2pPr marL="457200" algn="l" defTabSz="914400" rtl="0" eaLnBrk="1" latinLnBrk="0" hangingPunct="1">
+      <a:defRPr sz="1200" kern="1200">
+        <a:solidFill>
+          <a:schemeClr val="tx1"/>
+        </a:solidFill>
+        <a:latin typeface="+mn-lt"/>
+        <a:ea typeface="+mn-ea"/>
+        <a:cs typeface="+mn-cs"/>
+      </a:defRPr>
+    </a:lvl2pPr>
+    <a:lvl3pPr marL="914400" algn="l" defTabSz="914400" rtl="0" eaLnBrk="1" latinLnBrk="0" hangingPunct="1">
+      <a:defRPr sz="1200" kern="1200">
+        <a:solidFill>
+          <a:schemeClr val="tx1"/>
+        </a:solidFill>
+        <a:latin typeface="+mn-lt"/>
+        <a:ea typeface="+mn-ea"/>
+        <a:cs typeface="+mn-cs"/>
+      </a:defRPr>
+    </a:lvl3pPr>
+    <a:lvl4pPr marL="1371600" algn="l" defTabSz="914400" rtl="0" eaLnBrk="1" latinLnBrk="0" hangingPunct="1">
+      <a:defRPr sz="1200" kern="1200">
+        <a:solidFill>
+          <a:schemeClr val="tx1"/>
+        </a:solidFill>
+        <a:latin typeface="+mn-lt"/>
+        <a:ea typeface="+mn-ea"/>
+        <a:cs typeface="+mn-cs"/>
+      </a:defRPr>
+    </a:lvl4pPr>
+    <a:lvl5pPr marL="1828800" algn="l" defTabSz="914400" rtl="0" eaLnBrk="1" latinLnBrk="0" hangingPunct="1">
+      <a:defRPr sz="1200" kern="1200">
+        <a:solidFill>
+          <a:schemeClr val="tx1"/>
+        </a:solidFill>
+        <a:latin typeface="+mn-lt"/>
+        <a:ea typeface="+mn-ea"/>
+        <a:cs typeface="+mn-cs"/>
+      </a:defRPr>
+    </a:lvl5pPr>
+    <a:lvl6pPr marL="2286000" algn="l" defTabSz="914400" rtl="0" eaLnBrk="1" latinLnBrk="0" hangingPunct="1">
+      <a:defRPr sz="1200" kern="1200">
+        <a:solidFill>
+          <a:schemeClr val="tx1"/>
+        </a:solidFill>
+        <a:latin typeface="+mn-lt"/>
+        <a:ea typeface="+mn-ea"/>
+        <a:cs typeface="+mn-cs"/>
+      </a:defRPr>
+    </a:lvl6pPr>
+    <a:lvl7pPr marL="2743200" algn="l" defTabSz="914400" rtl="0" eaLnBrk="1" latinLnBrk="0" hangingPunct="1">
+      <a:defRPr sz="1200" kern="1200">
+        <a:solidFill>
+          <a:schemeClr val="tx1"/>
+        </a:solidFill>
+        <a:latin typeface="+mn-lt"/>
+        <a:ea typeface="+mn-ea"/>
+        <a:cs typeface="+mn-cs"/>
+      </a:defRPr>
+    </a:lvl7pPr>
+    <a:lvl8pPr marL="3200400" algn="l" defTabSz="914400" rtl="0" eaLnBrk="1" latinLnBrk="0" hangingPunct="1">
+      <a:defRPr sz="1200" kern="1200">
+        <a:solidFill>
+          <a:schemeClr val="tx1"/>
+        </a:solidFill>
+        <a:latin typeface="+mn-lt"/>
+        <a:ea typeface="+mn-ea"/>
+        <a:cs typeface="+mn-cs"/>
+      </a:defRPr>
+    </a:lvl8pPr>
+    <a:lvl9pPr marL="3657600" algn="l" defTabSz="914400" rtl="0" eaLnBrk="1" latinLnBrk="0" hangingPunct="1">
+      <a:defRPr sz="1200" kern="1200">
+        <a:solidFill>
+          <a:schemeClr val="tx1"/>
+        </a:solidFill>
+        <a:latin typeface="+mn-lt"/>
+        <a:ea typeface="+mn-ea"/>
+        <a:cs typeface="+mn-cs"/>
+      </a:defRPr>
+    </a:lvl9pPr>
+  </p:notesStyle>
+</p:notesMaster>
+</file>
+
+<file path=ppt/notesSlides/notesSlide1.xml><?xml version="1.0" encoding="utf-8"?>
+<p:notes xmlns:a="http://schemas.openxmlformats.org/drawingml/2006/main" xmlns:r="http://schemas.openxmlformats.org/officeDocument/2006/relationships" xmlns:p="http://schemas.openxmlformats.org/presentationml/2006/main">
+  <p:cSld>
+    <p:spTree>
+      <p:nvGrpSpPr>
+        <p:cNvPr id="1" name=""/>
+        <p:cNvGrpSpPr/>
+        <p:nvPr/>
+      </p:nvGrpSpPr>
+      <p:grpSpPr>
+        <a:xfrm>
+          <a:off x="0" y="0"/>
+          <a:ext cx="0" cy="0"/>
+          <a:chOff x="0" y="0"/>
+          <a:chExt cx="0" cy="0"/>
+        </a:xfrm>
+      </p:grpSpPr>
+      <p:sp>
+        <p:nvSpPr>
+          <p:cNvPr id="2" name="Slide Image Placeholder 1"/>
+          <p:cNvSpPr>
+            <a:spLocks noGrp="1" noRot="1" noChangeAspect="1"/>
+          </p:cNvSpPr>
+          <p:nvPr>
+            <p:ph type="sldImg"/>
+          </p:nvPr>
+        </p:nvSpPr>
+        <p:spPr/>
+      </p:sp>
+      <p:sp>
+        <p:nvSpPr>
+          <p:cNvPr id="3" name="Notes Placeholder 2"/>
+          <p:cNvSpPr>
+            <a:spLocks noGrp="1"/>
+          </p:cNvSpPr>
+          <p:nvPr>
+            <p:ph type="body" idx="1"/>
+          </p:nvPr>
+        </p:nvSpPr>
+        <p:spPr/>
+        <p:txBody>
+          <a:bodyPr/>
+          <a:lstStyle/>
+          <a:p>
+            <a:r>
+              <a:rPr lang="en-GB" dirty="0"/>
+              <a:t>Does it do what I want</a:t>
+            </a:r>
+          </a:p>
+          <a:p>
+            <a:r>
+              <a:rPr lang="en-GB" dirty="0"/>
+              <a:t>If I change it does it do what I want</a:t>
+            </a:r>
+          </a:p>
+          <a:p>
+            <a:r>
+              <a:rPr lang="en-GB" dirty="0"/>
+              <a:t>What is it supposed to do</a:t>
+            </a:r>
+          </a:p>
+          <a:p>
+            <a:r>
+              <a:rPr lang="en-GB" dirty="0"/>
+              <a:t>This is how it is designed</a:t>
+            </a:r>
+          </a:p>
+          <a:p>
+            <a:r>
+              <a:rPr lang="en-GB" dirty="0"/>
+              <a:t>Does it still do what we want when we make </a:t>
+            </a:r>
+            <a:r>
+              <a:rPr lang="en-GB"/>
+              <a:t>big changes</a:t>
+            </a:r>
+          </a:p>
+        </p:txBody>
+      </p:sp>
+      <p:sp>
+        <p:nvSpPr>
+          <p:cNvPr id="4" name="Slide Number Placeholder 3"/>
+          <p:cNvSpPr>
+            <a:spLocks noGrp="1"/>
+          </p:cNvSpPr>
+          <p:nvPr>
+            <p:ph type="sldNum" sz="quarter" idx="10"/>
+          </p:nvPr>
+        </p:nvSpPr>
+        <p:spPr/>
+        <p:txBody>
+          <a:bodyPr/>
+          <a:lstStyle/>
+          <a:p>
+            <a:fld id="{33A7E92C-A6B2-4CD9-A188-8139E6D44A16}" type="slidenum">
+              <a:rPr lang="en-GB" smtClean="0"/>
+              <a:t>4</a:t>
+            </a:fld>
+            <a:endParaRPr lang="en-GB"/>
+          </a:p>
+        </p:txBody>
+      </p:sp>
+    </p:spTree>
+    <p:extLst>
+      <p:ext uri="{BB962C8B-B14F-4D97-AF65-F5344CB8AC3E}">
+        <p14:creationId xmlns:p14="http://schemas.microsoft.com/office/powerpoint/2010/main" val="1834118628"/>
+      </p:ext>
+    </p:extLst>
+  </p:cSld>
+  <p:clrMapOvr>
+    <a:masterClrMapping/>
+  </p:clrMapOvr>
+</p:notes>
+</file>
+
+<file path=ppt/notesSlides/notesSlide2.xml><?xml version="1.0" encoding="utf-8"?>
+<p:notes xmlns:a="http://schemas.openxmlformats.org/drawingml/2006/main" xmlns:r="http://schemas.openxmlformats.org/officeDocument/2006/relationships" xmlns:p="http://schemas.openxmlformats.org/presentationml/2006/main">
+  <p:cSld>
+    <p:spTree>
+      <p:nvGrpSpPr>
+        <p:cNvPr id="1" name=""/>
+        <p:cNvGrpSpPr/>
+        <p:nvPr/>
+      </p:nvGrpSpPr>
+      <p:grpSpPr>
+        <a:xfrm>
+          <a:off x="0" y="0"/>
+          <a:ext cx="0" cy="0"/>
+          <a:chOff x="0" y="0"/>
+          <a:chExt cx="0" cy="0"/>
+        </a:xfrm>
+      </p:grpSpPr>
+      <p:sp>
+        <p:nvSpPr>
+          <p:cNvPr id="2" name="Slide Image Placeholder 1"/>
+          <p:cNvSpPr>
+            <a:spLocks noGrp="1" noRot="1" noChangeAspect="1"/>
+          </p:cNvSpPr>
+          <p:nvPr>
+            <p:ph type="sldImg"/>
+          </p:nvPr>
+        </p:nvSpPr>
+        <p:spPr/>
+      </p:sp>
+      <p:sp>
+        <p:nvSpPr>
+          <p:cNvPr id="3" name="Notes Placeholder 2"/>
+          <p:cNvSpPr>
+            <a:spLocks noGrp="1"/>
+          </p:cNvSpPr>
+          <p:nvPr>
+            <p:ph type="body" idx="1"/>
+          </p:nvPr>
+        </p:nvSpPr>
+        <p:spPr/>
+        <p:txBody>
+          <a:bodyPr/>
+          <a:lstStyle/>
+          <a:p>
+            <a:endParaRPr lang="en-GB" dirty="0"/>
+          </a:p>
+        </p:txBody>
+      </p:sp>
+      <p:sp>
+        <p:nvSpPr>
+          <p:cNvPr id="4" name="Slide Number Placeholder 3"/>
+          <p:cNvSpPr>
+            <a:spLocks noGrp="1"/>
+          </p:cNvSpPr>
+          <p:nvPr>
+            <p:ph type="sldNum" sz="quarter" idx="10"/>
+          </p:nvPr>
+        </p:nvSpPr>
+        <p:spPr/>
+        <p:txBody>
+          <a:bodyPr/>
+          <a:lstStyle/>
+          <a:p>
+            <a:fld id="{33A7E92C-A6B2-4CD9-A188-8139E6D44A16}" type="slidenum">
+              <a:rPr lang="en-GB" smtClean="0"/>
+              <a:t>9</a:t>
+            </a:fld>
+            <a:endParaRPr lang="en-GB"/>
+          </a:p>
+        </p:txBody>
+      </p:sp>
+    </p:spTree>
+    <p:extLst>
+      <p:ext uri="{BB962C8B-B14F-4D97-AF65-F5344CB8AC3E}">
+        <p14:creationId xmlns:p14="http://schemas.microsoft.com/office/powerpoint/2010/main" val="3428591185"/>
+      </p:ext>
+    </p:extLst>
+  </p:cSld>
+  <p:clrMapOvr>
+    <a:masterClrMapping/>
+  </p:clrMapOvr>
+</p:notes>
+</file>
+
 <file path=ppt/slideLayouts/slideLayout1.xml><?xml version="1.0" encoding="utf-8"?>
 <p:sldLayout xmlns:a="http://schemas.openxmlformats.org/drawingml/2006/main" xmlns:r="http://schemas.openxmlformats.org/officeDocument/2006/relationships" xmlns:p="http://schemas.openxmlformats.org/presentationml/2006/main" type="title" preserve="1">
   <p:cSld name="Title Slide">
@@ -251,7 +804,7 @@
           <a:p>
             <a:fld id="{0E9FF321-A082-456B-A347-A910A2958839}" type="datetimeFigureOut">
               <a:rPr lang="pt-PT" smtClean="0"/>
-              <a:t>15/05/2017</a:t>
+              <a:t>18/05/2017</a:t>
             </a:fld>
             <a:endParaRPr lang="pt-PT"/>
           </a:p>
@@ -421,7 +974,7 @@
           <a:p>
             <a:fld id="{0E9FF321-A082-456B-A347-A910A2958839}" type="datetimeFigureOut">
               <a:rPr lang="pt-PT" smtClean="0"/>
-              <a:t>15/05/2017</a:t>
+              <a:t>18/05/2017</a:t>
             </a:fld>
             <a:endParaRPr lang="pt-PT"/>
           </a:p>
@@ -601,7 +1154,7 @@
           <a:p>
             <a:fld id="{0E9FF321-A082-456B-A347-A910A2958839}" type="datetimeFigureOut">
               <a:rPr lang="pt-PT" smtClean="0"/>
-              <a:t>15/05/2017</a:t>
+              <a:t>18/05/2017</a:t>
             </a:fld>
             <a:endParaRPr lang="pt-PT"/>
           </a:p>
@@ -771,7 +1324,7 @@
           <a:p>
             <a:fld id="{0E9FF321-A082-456B-A347-A910A2958839}" type="datetimeFigureOut">
               <a:rPr lang="pt-PT" smtClean="0"/>
-              <a:t>15/05/2017</a:t>
+              <a:t>18/05/2017</a:t>
             </a:fld>
             <a:endParaRPr lang="pt-PT"/>
           </a:p>
@@ -1017,7 +1570,7 @@
           <a:p>
             <a:fld id="{0E9FF321-A082-456B-A347-A910A2958839}" type="datetimeFigureOut">
               <a:rPr lang="pt-PT" smtClean="0"/>
-              <a:t>15/05/2017</a:t>
+              <a:t>18/05/2017</a:t>
             </a:fld>
             <a:endParaRPr lang="pt-PT"/>
           </a:p>
@@ -1249,7 +1802,7 @@
           <a:p>
             <a:fld id="{0E9FF321-A082-456B-A347-A910A2958839}" type="datetimeFigureOut">
               <a:rPr lang="pt-PT" smtClean="0"/>
-              <a:t>15/05/2017</a:t>
+              <a:t>18/05/2017</a:t>
             </a:fld>
             <a:endParaRPr lang="pt-PT"/>
           </a:p>
@@ -1616,7 +2169,7 @@
           <a:p>
             <a:fld id="{0E9FF321-A082-456B-A347-A910A2958839}" type="datetimeFigureOut">
               <a:rPr lang="pt-PT" smtClean="0"/>
-              <a:t>15/05/2017</a:t>
+              <a:t>18/05/2017</a:t>
             </a:fld>
             <a:endParaRPr lang="pt-PT"/>
           </a:p>
@@ -1734,7 +2287,7 @@
           <a:p>
             <a:fld id="{0E9FF321-A082-456B-A347-A910A2958839}" type="datetimeFigureOut">
               <a:rPr lang="pt-PT" smtClean="0"/>
-              <a:t>15/05/2017</a:t>
+              <a:t>18/05/2017</a:t>
             </a:fld>
             <a:endParaRPr lang="pt-PT"/>
           </a:p>
@@ -1829,7 +2382,7 @@
           <a:p>
             <a:fld id="{0E9FF321-A082-456B-A347-A910A2958839}" type="datetimeFigureOut">
               <a:rPr lang="pt-PT" smtClean="0"/>
-              <a:t>15/05/2017</a:t>
+              <a:t>18/05/2017</a:t>
             </a:fld>
             <a:endParaRPr lang="pt-PT"/>
           </a:p>
@@ -2106,7 +2659,7 @@
           <a:p>
             <a:fld id="{0E9FF321-A082-456B-A347-A910A2958839}" type="datetimeFigureOut">
               <a:rPr lang="pt-PT" smtClean="0"/>
-              <a:t>15/05/2017</a:t>
+              <a:t>18/05/2017</a:t>
             </a:fld>
             <a:endParaRPr lang="pt-PT"/>
           </a:p>
@@ -2359,7 +2912,7 @@
           <a:p>
             <a:fld id="{0E9FF321-A082-456B-A347-A910A2958839}" type="datetimeFigureOut">
               <a:rPr lang="pt-PT" smtClean="0"/>
-              <a:t>15/05/2017</a:t>
+              <a:t>18/05/2017</a:t>
             </a:fld>
             <a:endParaRPr lang="pt-PT"/>
           </a:p>
@@ -2582,7 +3135,7 @@
           <a:p>
             <a:fld id="{0E9FF321-A082-456B-A347-A910A2958839}" type="datetimeFigureOut">
               <a:rPr lang="pt-PT" smtClean="0"/>
-              <a:t>15/05/2017</a:t>
+              <a:t>18/05/2017</a:t>
             </a:fld>
             <a:endParaRPr lang="pt-PT"/>
           </a:p>
@@ -3488,6 +4041,282 @@
 </p:sld>
 </file>
 
+<file path=ppt/slides/slide10.xml><?xml version="1.0" encoding="utf-8"?>
+<p:sld xmlns:a="http://schemas.openxmlformats.org/drawingml/2006/main" xmlns:r="http://schemas.openxmlformats.org/officeDocument/2006/relationships" xmlns:p="http://schemas.openxmlformats.org/presentationml/2006/main">
+  <p:cSld>
+    <p:bg>
+      <p:bgPr>
+        <a:blipFill dpi="0" rotWithShape="1">
+          <a:blip r:embed="rId2">
+            <a:lum/>
+          </a:blip>
+          <a:srcRect/>
+          <a:stretch>
+            <a:fillRect t="-9000" b="-9000"/>
+          </a:stretch>
+        </a:blipFill>
+        <a:effectLst/>
+      </p:bgPr>
+    </p:bg>
+    <p:spTree>
+      <p:nvGrpSpPr>
+        <p:cNvPr id="1" name=""/>
+        <p:cNvGrpSpPr/>
+        <p:nvPr/>
+      </p:nvGrpSpPr>
+      <p:grpSpPr>
+        <a:xfrm>
+          <a:off x="0" y="0"/>
+          <a:ext cx="0" cy="0"/>
+          <a:chOff x="0" y="0"/>
+          <a:chExt cx="0" cy="0"/>
+        </a:xfrm>
+      </p:grpSpPr>
+      <p:sp>
+        <p:nvSpPr>
+          <p:cNvPr id="12" name="TextBox 11"/>
+          <p:cNvSpPr txBox="1"/>
+          <p:nvPr/>
+        </p:nvSpPr>
+        <p:spPr>
+          <a:xfrm>
+            <a:off x="1732990" y="63995"/>
+            <a:ext cx="8594652" cy="1200329"/>
+          </a:xfrm>
+          <a:prstGeom prst="rect">
+            <a:avLst/>
+          </a:prstGeom>
+          <a:noFill/>
+        </p:spPr>
+        <p:txBody>
+          <a:bodyPr wrap="square" rtlCol="0">
+            <a:spAutoFit/>
+          </a:bodyPr>
+          <a:lstStyle/>
+          <a:p>
+            <a:pPr algn="ctr"/>
+            <a:r>
+              <a:rPr lang="pt-PT" sz="7200" dirty="0">
+                <a:solidFill>
+                  <a:schemeClr val="tx1">
+                    <a:lumMod val="75000"/>
+                    <a:lumOff val="25000"/>
+                  </a:schemeClr>
+                </a:solidFill>
+                <a:latin typeface="Gill Sans MT Condensed" panose="020B0506020104020203" pitchFamily="34" charset="0"/>
+              </a:rPr>
+              <a:t>Questions?</a:t>
+            </a:r>
+          </a:p>
+        </p:txBody>
+      </p:sp>
+      <p:pic>
+        <p:nvPicPr>
+          <p:cNvPr id="19" name="Picture 18"/>
+          <p:cNvPicPr>
+            <a:picLocks noChangeAspect="1"/>
+          </p:cNvPicPr>
+          <p:nvPr/>
+        </p:nvPicPr>
+        <p:blipFill>
+          <a:blip r:embed="rId3">
+            <a:extLst>
+              <a:ext uri="{28A0092B-C50C-407E-A947-70E740481C1C}">
+                <a14:useLocalDpi xmlns:a14="http://schemas.microsoft.com/office/drawing/2010/main" val="0"/>
+              </a:ext>
+            </a:extLst>
+          </a:blip>
+          <a:stretch>
+            <a:fillRect/>
+          </a:stretch>
+        </p:blipFill>
+        <p:spPr>
+          <a:xfrm>
+            <a:off x="11126009" y="5781675"/>
+            <a:ext cx="1088709" cy="1080000"/>
+          </a:xfrm>
+          <a:prstGeom prst="rect">
+            <a:avLst/>
+          </a:prstGeom>
+        </p:spPr>
+      </p:pic>
+      <p:pic>
+        <p:nvPicPr>
+          <p:cNvPr id="5" name="Picture 4"/>
+          <p:cNvPicPr>
+            <a:picLocks noChangeAspect="1"/>
+          </p:cNvPicPr>
+          <p:nvPr/>
+        </p:nvPicPr>
+        <p:blipFill>
+          <a:blip r:embed="rId4">
+            <a:extLst>
+              <a:ext uri="{28A0092B-C50C-407E-A947-70E740481C1C}">
+                <a14:useLocalDpi xmlns:a14="http://schemas.microsoft.com/office/drawing/2010/main" val="0"/>
+              </a:ext>
+            </a:extLst>
+          </a:blip>
+          <a:stretch>
+            <a:fillRect/>
+          </a:stretch>
+        </p:blipFill>
+        <p:spPr>
+          <a:xfrm>
+            <a:off x="1283149" y="1180096"/>
+            <a:ext cx="2980800" cy="4252231"/>
+          </a:xfrm>
+          <a:prstGeom prst="rect">
+            <a:avLst/>
+          </a:prstGeom>
+        </p:spPr>
+      </p:pic>
+      <p:sp>
+        <p:nvSpPr>
+          <p:cNvPr id="2" name="TextBox 1"/>
+          <p:cNvSpPr txBox="1"/>
+          <p:nvPr/>
+        </p:nvSpPr>
+        <p:spPr>
+          <a:xfrm>
+            <a:off x="5116882" y="1327759"/>
+            <a:ext cx="6851738" cy="1477328"/>
+          </a:xfrm>
+          <a:prstGeom prst="rect">
+            <a:avLst/>
+          </a:prstGeom>
+          <a:noFill/>
+        </p:spPr>
+        <p:txBody>
+          <a:bodyPr wrap="square" rtlCol="0">
+            <a:spAutoFit/>
+          </a:bodyPr>
+          <a:lstStyle/>
+          <a:p>
+            <a:r>
+              <a:rPr lang="en-GB" dirty="0"/>
+              <a:t>If you want to more you should get the Pester Book by Adam Bertram</a:t>
+            </a:r>
+          </a:p>
+          <a:p>
+            <a:endParaRPr lang="en-GB" dirty="0"/>
+          </a:p>
+          <a:p>
+            <a:r>
+              <a:rPr lang="en-GB" dirty="0">
+                <a:hlinkClick r:id="rId5"/>
+              </a:rPr>
+              <a:t>https://leanpub.com/pesterbook</a:t>
+            </a:r>
+            <a:r>
+              <a:rPr lang="en-GB" dirty="0"/>
+              <a:t> </a:t>
+            </a:r>
+          </a:p>
+          <a:p>
+            <a:endParaRPr lang="en-GB" dirty="0"/>
+          </a:p>
+          <a:p>
+            <a:endParaRPr lang="en-GB" dirty="0"/>
+          </a:p>
+        </p:txBody>
+      </p:sp>
+      <p:pic>
+        <p:nvPicPr>
+          <p:cNvPr id="1028" name="Picture 4" descr="The Pester Book"/>
+          <p:cNvPicPr>
+            <a:picLocks noChangeAspect="1" noChangeArrowheads="1"/>
+          </p:cNvPicPr>
+          <p:nvPr/>
+        </p:nvPicPr>
+        <p:blipFill>
+          <a:blip r:embed="rId6">
+            <a:extLst>
+              <a:ext uri="{28A0092B-C50C-407E-A947-70E740481C1C}">
+                <a14:useLocalDpi xmlns:a14="http://schemas.microsoft.com/office/drawing/2010/main" val="0"/>
+              </a:ext>
+            </a:extLst>
+          </a:blip>
+          <a:srcRect/>
+          <a:stretch>
+            <a:fillRect/>
+          </a:stretch>
+        </p:blipFill>
+        <p:spPr bwMode="auto">
+          <a:xfrm>
+            <a:off x="8766130" y="1835062"/>
+            <a:ext cx="2509381" cy="3764071"/>
+          </a:xfrm>
+          <a:prstGeom prst="rect">
+            <a:avLst/>
+          </a:prstGeom>
+          <a:noFill/>
+          <a:extLst>
+            <a:ext uri="{909E8E84-426E-40DD-AFC4-6F175D3DCCD1}">
+              <a14:hiddenFill xmlns:a14="http://schemas.microsoft.com/office/drawing/2010/main">
+                <a:solidFill>
+                  <a:srgbClr val="FFFFFF"/>
+                </a:solidFill>
+              </a14:hiddenFill>
+            </a:ext>
+          </a:extLst>
+        </p:spPr>
+      </p:pic>
+      <p:sp>
+        <p:nvSpPr>
+          <p:cNvPr id="3" name="TextBox 2"/>
+          <p:cNvSpPr txBox="1"/>
+          <p:nvPr/>
+        </p:nvSpPr>
+        <p:spPr>
+          <a:xfrm>
+            <a:off x="2198317" y="5505124"/>
+            <a:ext cx="8927692" cy="954107"/>
+          </a:xfrm>
+          <a:prstGeom prst="rect">
+            <a:avLst/>
+          </a:prstGeom>
+          <a:noFill/>
+        </p:spPr>
+        <p:txBody>
+          <a:bodyPr wrap="square" rtlCol="0">
+            <a:spAutoFit/>
+          </a:bodyPr>
+          <a:lstStyle/>
+          <a:p>
+            <a:r>
+              <a:rPr lang="en-GB" sz="2800" dirty="0"/>
+              <a:t>Rob Sewell - 	@</a:t>
+            </a:r>
+            <a:r>
+              <a:rPr lang="en-GB" sz="2800" dirty="0" err="1"/>
+              <a:t>SQLDBAWithBeard</a:t>
+            </a:r>
+            <a:r>
+              <a:rPr lang="en-GB" sz="2800" dirty="0"/>
+              <a:t> </a:t>
+            </a:r>
+          </a:p>
+          <a:p>
+            <a:r>
+              <a:rPr lang="en-GB" sz="2800" dirty="0"/>
+              <a:t>			SQLDBAWithABeard.com</a:t>
+            </a:r>
+          </a:p>
+        </p:txBody>
+      </p:sp>
+    </p:spTree>
+    <p:extLst>
+      <p:ext uri="{BB962C8B-B14F-4D97-AF65-F5344CB8AC3E}">
+        <p14:creationId xmlns:p14="http://schemas.microsoft.com/office/powerpoint/2010/main" val="1809566152"/>
+      </p:ext>
+    </p:extLst>
+  </p:cSld>
+  <p:clrMapOvr>
+    <a:masterClrMapping/>
+  </p:clrMapOvr>
+</p:sld>
+</file>
+
 <file path=ppt/slides/slide2.xml><?xml version="1.0" encoding="utf-8"?>
 <p:sld xmlns:a="http://schemas.openxmlformats.org/drawingml/2006/main" xmlns:r="http://schemas.openxmlformats.org/officeDocument/2006/relationships" xmlns:p="http://schemas.openxmlformats.org/presentationml/2006/main">
   <p:cSld>
@@ -4118,6 +4947,370 @@
     <p:bg>
       <p:bgPr>
         <a:blipFill dpi="0" rotWithShape="1">
+          <a:blip r:embed="rId3">
+            <a:lum/>
+          </a:blip>
+          <a:srcRect/>
+          <a:stretch>
+            <a:fillRect t="-9000" b="-9000"/>
+          </a:stretch>
+        </a:blipFill>
+        <a:effectLst/>
+      </p:bgPr>
+    </p:bg>
+    <p:spTree>
+      <p:nvGrpSpPr>
+        <p:cNvPr id="1" name=""/>
+        <p:cNvGrpSpPr/>
+        <p:nvPr/>
+      </p:nvGrpSpPr>
+      <p:grpSpPr>
+        <a:xfrm>
+          <a:off x="0" y="0"/>
+          <a:ext cx="0" cy="0"/>
+          <a:chOff x="0" y="0"/>
+          <a:chExt cx="0" cy="0"/>
+        </a:xfrm>
+      </p:grpSpPr>
+      <p:sp>
+        <p:nvSpPr>
+          <p:cNvPr id="12" name="TextBox 11"/>
+          <p:cNvSpPr txBox="1"/>
+          <p:nvPr/>
+        </p:nvSpPr>
+        <p:spPr>
+          <a:xfrm>
+            <a:off x="1732990" y="63995"/>
+            <a:ext cx="8594652" cy="1200329"/>
+          </a:xfrm>
+          <a:prstGeom prst="rect">
+            <a:avLst/>
+          </a:prstGeom>
+          <a:noFill/>
+        </p:spPr>
+        <p:txBody>
+          <a:bodyPr wrap="square" rtlCol="0">
+            <a:spAutoFit/>
+          </a:bodyPr>
+          <a:lstStyle/>
+          <a:p>
+            <a:pPr algn="ctr"/>
+            <a:r>
+              <a:rPr lang="pt-PT" sz="7200" dirty="0">
+                <a:solidFill>
+                  <a:schemeClr val="tx1">
+                    <a:lumMod val="75000"/>
+                    <a:lumOff val="25000"/>
+                  </a:schemeClr>
+                </a:solidFill>
+                <a:latin typeface="Gill Sans MT Condensed" panose="020B0506020104020203" pitchFamily="34" charset="0"/>
+              </a:rPr>
+              <a:t>Why Test?</a:t>
+            </a:r>
+          </a:p>
+        </p:txBody>
+      </p:sp>
+      <p:pic>
+        <p:nvPicPr>
+          <p:cNvPr id="19" name="Picture 18"/>
+          <p:cNvPicPr>
+            <a:picLocks noChangeAspect="1"/>
+          </p:cNvPicPr>
+          <p:nvPr/>
+        </p:nvPicPr>
+        <p:blipFill>
+          <a:blip r:embed="rId4">
+            <a:extLst>
+              <a:ext uri="{28A0092B-C50C-407E-A947-70E740481C1C}">
+                <a14:useLocalDpi xmlns:a14="http://schemas.microsoft.com/office/drawing/2010/main" val="0"/>
+              </a:ext>
+            </a:extLst>
+          </a:blip>
+          <a:stretch>
+            <a:fillRect/>
+          </a:stretch>
+        </p:blipFill>
+        <p:spPr>
+          <a:xfrm>
+            <a:off x="11126009" y="5781675"/>
+            <a:ext cx="1088709" cy="1080000"/>
+          </a:xfrm>
+          <a:prstGeom prst="rect">
+            <a:avLst/>
+          </a:prstGeom>
+        </p:spPr>
+      </p:pic>
+      <p:sp>
+        <p:nvSpPr>
+          <p:cNvPr id="9" name="Inhaltsplatzhalter 2"/>
+          <p:cNvSpPr txBox="1">
+            <a:spLocks/>
+          </p:cNvSpPr>
+          <p:nvPr/>
+        </p:nvSpPr>
+        <p:spPr>
+          <a:xfrm>
+            <a:off x="593121" y="908487"/>
+            <a:ext cx="10486149" cy="5385842"/>
+          </a:xfrm>
+          <a:prstGeom prst="rect">
+            <a:avLst/>
+          </a:prstGeom>
+          <a:solidFill>
+            <a:schemeClr val="accent1">
+              <a:lumMod val="40000"/>
+              <a:lumOff val="60000"/>
+              <a:alpha val="29000"/>
+            </a:schemeClr>
+          </a:solidFill>
+        </p:spPr>
+        <p:txBody>
+          <a:bodyPr/>
+          <a:lstStyle>
+            <a:lvl1pPr marL="228600" indent="-228600" algn="l" defTabSz="914400" rtl="0" eaLnBrk="1" latinLnBrk="0" hangingPunct="1">
+              <a:lnSpc>
+                <a:spcPct val="90000"/>
+              </a:lnSpc>
+              <a:spcBef>
+                <a:spcPts val="1000"/>
+              </a:spcBef>
+              <a:buFont typeface="Arial" panose="020B0604020202020204" pitchFamily="34" charset="0"/>
+              <a:buChar char="•"/>
+              <a:defRPr sz="2800" kern="1200">
+                <a:solidFill>
+                  <a:schemeClr val="tx1"/>
+                </a:solidFill>
+                <a:latin typeface="+mn-lt"/>
+                <a:ea typeface="+mn-ea"/>
+                <a:cs typeface="+mn-cs"/>
+              </a:defRPr>
+            </a:lvl1pPr>
+            <a:lvl2pPr marL="685800" indent="-228600" algn="l" defTabSz="914400" rtl="0" eaLnBrk="1" latinLnBrk="0" hangingPunct="1">
+              <a:lnSpc>
+                <a:spcPct val="90000"/>
+              </a:lnSpc>
+              <a:spcBef>
+                <a:spcPts val="500"/>
+              </a:spcBef>
+              <a:buFont typeface="Arial" panose="020B0604020202020204" pitchFamily="34" charset="0"/>
+              <a:buChar char="•"/>
+              <a:defRPr sz="2400" kern="1200">
+                <a:solidFill>
+                  <a:schemeClr val="tx1"/>
+                </a:solidFill>
+                <a:latin typeface="+mn-lt"/>
+                <a:ea typeface="+mn-ea"/>
+                <a:cs typeface="+mn-cs"/>
+              </a:defRPr>
+            </a:lvl2pPr>
+            <a:lvl3pPr marL="1143000" indent="-228600" algn="l" defTabSz="914400" rtl="0" eaLnBrk="1" latinLnBrk="0" hangingPunct="1">
+              <a:lnSpc>
+                <a:spcPct val="90000"/>
+              </a:lnSpc>
+              <a:spcBef>
+                <a:spcPts val="500"/>
+              </a:spcBef>
+              <a:buFont typeface="Arial" panose="020B0604020202020204" pitchFamily="34" charset="0"/>
+              <a:buChar char="•"/>
+              <a:defRPr sz="2000" kern="1200">
+                <a:solidFill>
+                  <a:schemeClr val="tx1"/>
+                </a:solidFill>
+                <a:latin typeface="+mn-lt"/>
+                <a:ea typeface="+mn-ea"/>
+                <a:cs typeface="+mn-cs"/>
+              </a:defRPr>
+            </a:lvl3pPr>
+            <a:lvl4pPr marL="1600200" indent="-228600" algn="l" defTabSz="914400" rtl="0" eaLnBrk="1" latinLnBrk="0" hangingPunct="1">
+              <a:lnSpc>
+                <a:spcPct val="90000"/>
+              </a:lnSpc>
+              <a:spcBef>
+                <a:spcPts val="500"/>
+              </a:spcBef>
+              <a:buFont typeface="Arial" panose="020B0604020202020204" pitchFamily="34" charset="0"/>
+              <a:buChar char="•"/>
+              <a:defRPr sz="1800" kern="1200">
+                <a:solidFill>
+                  <a:schemeClr val="tx1"/>
+                </a:solidFill>
+                <a:latin typeface="+mn-lt"/>
+                <a:ea typeface="+mn-ea"/>
+                <a:cs typeface="+mn-cs"/>
+              </a:defRPr>
+            </a:lvl4pPr>
+            <a:lvl5pPr marL="2057400" indent="-228600" algn="l" defTabSz="914400" rtl="0" eaLnBrk="1" latinLnBrk="0" hangingPunct="1">
+              <a:lnSpc>
+                <a:spcPct val="90000"/>
+              </a:lnSpc>
+              <a:spcBef>
+                <a:spcPts val="500"/>
+              </a:spcBef>
+              <a:buFont typeface="Arial" panose="020B0604020202020204" pitchFamily="34" charset="0"/>
+              <a:buChar char="•"/>
+              <a:defRPr sz="1800" kern="1200">
+                <a:solidFill>
+                  <a:schemeClr val="tx1"/>
+                </a:solidFill>
+                <a:latin typeface="+mn-lt"/>
+                <a:ea typeface="+mn-ea"/>
+                <a:cs typeface="+mn-cs"/>
+              </a:defRPr>
+            </a:lvl5pPr>
+            <a:lvl6pPr marL="2514600" indent="-228600" algn="l" defTabSz="914400" rtl="0" eaLnBrk="1" latinLnBrk="0" hangingPunct="1">
+              <a:lnSpc>
+                <a:spcPct val="90000"/>
+              </a:lnSpc>
+              <a:spcBef>
+                <a:spcPts val="500"/>
+              </a:spcBef>
+              <a:buFont typeface="Arial" panose="020B0604020202020204" pitchFamily="34" charset="0"/>
+              <a:buChar char="•"/>
+              <a:defRPr sz="1800" kern="1200">
+                <a:solidFill>
+                  <a:schemeClr val="tx1"/>
+                </a:solidFill>
+                <a:latin typeface="+mn-lt"/>
+                <a:ea typeface="+mn-ea"/>
+                <a:cs typeface="+mn-cs"/>
+              </a:defRPr>
+            </a:lvl6pPr>
+            <a:lvl7pPr marL="2971800" indent="-228600" algn="l" defTabSz="914400" rtl="0" eaLnBrk="1" latinLnBrk="0" hangingPunct="1">
+              <a:lnSpc>
+                <a:spcPct val="90000"/>
+              </a:lnSpc>
+              <a:spcBef>
+                <a:spcPts val="500"/>
+              </a:spcBef>
+              <a:buFont typeface="Arial" panose="020B0604020202020204" pitchFamily="34" charset="0"/>
+              <a:buChar char="•"/>
+              <a:defRPr sz="1800" kern="1200">
+                <a:solidFill>
+                  <a:schemeClr val="tx1"/>
+                </a:solidFill>
+                <a:latin typeface="+mn-lt"/>
+                <a:ea typeface="+mn-ea"/>
+                <a:cs typeface="+mn-cs"/>
+              </a:defRPr>
+            </a:lvl7pPr>
+            <a:lvl8pPr marL="3429000" indent="-228600" algn="l" defTabSz="914400" rtl="0" eaLnBrk="1" latinLnBrk="0" hangingPunct="1">
+              <a:lnSpc>
+                <a:spcPct val="90000"/>
+              </a:lnSpc>
+              <a:spcBef>
+                <a:spcPts val="500"/>
+              </a:spcBef>
+              <a:buFont typeface="Arial" panose="020B0604020202020204" pitchFamily="34" charset="0"/>
+              <a:buChar char="•"/>
+              <a:defRPr sz="1800" kern="1200">
+                <a:solidFill>
+                  <a:schemeClr val="tx1"/>
+                </a:solidFill>
+                <a:latin typeface="+mn-lt"/>
+                <a:ea typeface="+mn-ea"/>
+                <a:cs typeface="+mn-cs"/>
+              </a:defRPr>
+            </a:lvl8pPr>
+            <a:lvl9pPr marL="3886200" indent="-228600" algn="l" defTabSz="914400" rtl="0" eaLnBrk="1" latinLnBrk="0" hangingPunct="1">
+              <a:lnSpc>
+                <a:spcPct val="90000"/>
+              </a:lnSpc>
+              <a:spcBef>
+                <a:spcPts val="500"/>
+              </a:spcBef>
+              <a:buFont typeface="Arial" panose="020B0604020202020204" pitchFamily="34" charset="0"/>
+              <a:buChar char="•"/>
+              <a:defRPr sz="1800" kern="1200">
+                <a:solidFill>
+                  <a:schemeClr val="tx1"/>
+                </a:solidFill>
+                <a:latin typeface="+mn-lt"/>
+                <a:ea typeface="+mn-ea"/>
+                <a:cs typeface="+mn-cs"/>
+              </a:defRPr>
+            </a:lvl9pPr>
+          </a:lstStyle>
+          <a:p>
+            <a:pPr marL="0" indent="0">
+              <a:buNone/>
+            </a:pPr>
+            <a:r>
+              <a:rPr lang="en-GB" sz="4800" dirty="0"/>
+              <a:t>Good tests can…</a:t>
+            </a:r>
+          </a:p>
+          <a:p>
+            <a:pPr marL="0" indent="0">
+              <a:buNone/>
+            </a:pPr>
+            <a:endParaRPr lang="en-GB" sz="1000" dirty="0"/>
+          </a:p>
+          <a:p>
+            <a:r>
+              <a:rPr lang="en-GB" sz="4800" dirty="0"/>
+              <a:t>Verify the code is working correctly</a:t>
+            </a:r>
+          </a:p>
+          <a:p>
+            <a:r>
+              <a:rPr lang="en-GB" sz="4800" dirty="0"/>
+              <a:t>Prevent future regressions</a:t>
+            </a:r>
+          </a:p>
+          <a:p>
+            <a:r>
+              <a:rPr lang="en-GB" sz="4800" dirty="0"/>
+              <a:t>Document the code’s behaviour</a:t>
+            </a:r>
+          </a:p>
+          <a:p>
+            <a:r>
+              <a:rPr lang="en-GB" sz="4800" dirty="0"/>
+              <a:t>Provide design guidance</a:t>
+            </a:r>
+          </a:p>
+          <a:p>
+            <a:r>
+              <a:rPr lang="en-GB" sz="4800" dirty="0"/>
+              <a:t>Support refactoring</a:t>
+            </a:r>
+          </a:p>
+          <a:p>
+            <a:pPr marL="0" indent="0">
+              <a:buNone/>
+            </a:pPr>
+            <a:r>
+              <a:rPr lang="en-GB" dirty="0">
+                <a:hlinkClick r:id="rId5"/>
+              </a:rPr>
+              <a:t>https://www.devmynd.com/blog/five-factor-testing/</a:t>
+            </a:r>
+            <a:r>
+              <a:rPr lang="en-GB" dirty="0"/>
+              <a:t> </a:t>
+            </a:r>
+          </a:p>
+        </p:txBody>
+      </p:sp>
+    </p:spTree>
+    <p:extLst>
+      <p:ext uri="{BB962C8B-B14F-4D97-AF65-F5344CB8AC3E}">
+        <p14:creationId xmlns:p14="http://schemas.microsoft.com/office/powerpoint/2010/main" val="899732955"/>
+      </p:ext>
+    </p:extLst>
+  </p:cSld>
+  <p:clrMapOvr>
+    <a:masterClrMapping/>
+  </p:clrMapOvr>
+</p:sld>
+</file>
+
+<file path=ppt/slides/slide5.xml><?xml version="1.0" encoding="utf-8"?>
+<p:sld xmlns:a="http://schemas.openxmlformats.org/drawingml/2006/main" xmlns:r="http://schemas.openxmlformats.org/officeDocument/2006/relationships" xmlns:p="http://schemas.openxmlformats.org/presentationml/2006/main">
+  <p:cSld>
+    <p:bg>
+      <p:bgPr>
+        <a:blipFill dpi="0" rotWithShape="1">
           <a:blip r:embed="rId2">
             <a:lum/>
           </a:blip>
@@ -4591,7 +5784,7 @@
 </p:sld>
 </file>
 
-<file path=ppt/slides/slide5.xml><?xml version="1.0" encoding="utf-8"?>
+<file path=ppt/slides/slide6.xml><?xml version="1.0" encoding="utf-8"?>
 <p:sld xmlns:a="http://schemas.openxmlformats.org/drawingml/2006/main" xmlns:r="http://schemas.openxmlformats.org/officeDocument/2006/relationships" xmlns:p="http://schemas.openxmlformats.org/presentationml/2006/main">
   <p:cSld>
     <p:bg>
@@ -4921,7 +6114,7 @@
 </p:sld>
 </file>
 
-<file path=ppt/slides/slide6.xml><?xml version="1.0" encoding="utf-8"?>
+<file path=ppt/slides/slide7.xml><?xml version="1.0" encoding="utf-8"?>
 <p:sld xmlns:a="http://schemas.openxmlformats.org/drawingml/2006/main" xmlns:r="http://schemas.openxmlformats.org/officeDocument/2006/relationships" xmlns:p="http://schemas.openxmlformats.org/presentationml/2006/main">
   <p:cSld>
     <p:bg>
@@ -5310,7 +6503,7 @@
 </p:sld>
 </file>
 
-<file path=ppt/slides/slide7.xml><?xml version="1.0" encoding="utf-8"?>
+<file path=ppt/slides/slide8.xml><?xml version="1.0" encoding="utf-8"?>
 <p:sld xmlns:a="http://schemas.openxmlformats.org/drawingml/2006/main" xmlns:r="http://schemas.openxmlformats.org/officeDocument/2006/relationships" xmlns:p="http://schemas.openxmlformats.org/presentationml/2006/main">
   <p:cSld>
     <p:bg>
@@ -5602,13 +6795,13 @@
 </p:sld>
 </file>
 
-<file path=ppt/slides/slide8.xml><?xml version="1.0" encoding="utf-8"?>
+<file path=ppt/slides/slide9.xml><?xml version="1.0" encoding="utf-8"?>
 <p:sld xmlns:a="http://schemas.openxmlformats.org/drawingml/2006/main" xmlns:r="http://schemas.openxmlformats.org/officeDocument/2006/relationships" xmlns:p="http://schemas.openxmlformats.org/presentationml/2006/main">
   <p:cSld>
     <p:bg>
       <p:bgPr>
         <a:blipFill dpi="0" rotWithShape="1">
-          <a:blip r:embed="rId2">
+          <a:blip r:embed="rId3">
             <a:lum/>
           </a:blip>
           <a:srcRect/>
@@ -5680,7 +6873,7 @@
           <p:nvPr/>
         </p:nvPicPr>
         <p:blipFill>
-          <a:blip r:embed="rId3">
+          <a:blip r:embed="rId4">
             <a:extLst>
               <a:ext uri="{28A0092B-C50C-407E-A947-70E740481C1C}">
                 <a14:useLocalDpi xmlns:a14="http://schemas.microsoft.com/office/drawing/2010/main" val="0"/>
@@ -5781,282 +6974,6 @@
     <p:extLst>
       <p:ext uri="{BB962C8B-B14F-4D97-AF65-F5344CB8AC3E}">
         <p14:creationId xmlns:p14="http://schemas.microsoft.com/office/powerpoint/2010/main" val="1510186156"/>
-      </p:ext>
-    </p:extLst>
-  </p:cSld>
-  <p:clrMapOvr>
-    <a:masterClrMapping/>
-  </p:clrMapOvr>
-</p:sld>
-</file>
-
-<file path=ppt/slides/slide9.xml><?xml version="1.0" encoding="utf-8"?>
-<p:sld xmlns:a="http://schemas.openxmlformats.org/drawingml/2006/main" xmlns:r="http://schemas.openxmlformats.org/officeDocument/2006/relationships" xmlns:p="http://schemas.openxmlformats.org/presentationml/2006/main">
-  <p:cSld>
-    <p:bg>
-      <p:bgPr>
-        <a:blipFill dpi="0" rotWithShape="1">
-          <a:blip r:embed="rId2">
-            <a:lum/>
-          </a:blip>
-          <a:srcRect/>
-          <a:stretch>
-            <a:fillRect t="-9000" b="-9000"/>
-          </a:stretch>
-        </a:blipFill>
-        <a:effectLst/>
-      </p:bgPr>
-    </p:bg>
-    <p:spTree>
-      <p:nvGrpSpPr>
-        <p:cNvPr id="1" name=""/>
-        <p:cNvGrpSpPr/>
-        <p:nvPr/>
-      </p:nvGrpSpPr>
-      <p:grpSpPr>
-        <a:xfrm>
-          <a:off x="0" y="0"/>
-          <a:ext cx="0" cy="0"/>
-          <a:chOff x="0" y="0"/>
-          <a:chExt cx="0" cy="0"/>
-        </a:xfrm>
-      </p:grpSpPr>
-      <p:sp>
-        <p:nvSpPr>
-          <p:cNvPr id="12" name="TextBox 11"/>
-          <p:cNvSpPr txBox="1"/>
-          <p:nvPr/>
-        </p:nvSpPr>
-        <p:spPr>
-          <a:xfrm>
-            <a:off x="1732990" y="63995"/>
-            <a:ext cx="8594652" cy="1200329"/>
-          </a:xfrm>
-          <a:prstGeom prst="rect">
-            <a:avLst/>
-          </a:prstGeom>
-          <a:noFill/>
-        </p:spPr>
-        <p:txBody>
-          <a:bodyPr wrap="square" rtlCol="0">
-            <a:spAutoFit/>
-          </a:bodyPr>
-          <a:lstStyle/>
-          <a:p>
-            <a:pPr algn="ctr"/>
-            <a:r>
-              <a:rPr lang="pt-PT" sz="7200" dirty="0">
-                <a:solidFill>
-                  <a:schemeClr val="tx1">
-                    <a:lumMod val="75000"/>
-                    <a:lumOff val="25000"/>
-                  </a:schemeClr>
-                </a:solidFill>
-                <a:latin typeface="Gill Sans MT Condensed" panose="020B0506020104020203" pitchFamily="34" charset="0"/>
-              </a:rPr>
-              <a:t>Questions?</a:t>
-            </a:r>
-          </a:p>
-        </p:txBody>
-      </p:sp>
-      <p:pic>
-        <p:nvPicPr>
-          <p:cNvPr id="19" name="Picture 18"/>
-          <p:cNvPicPr>
-            <a:picLocks noChangeAspect="1"/>
-          </p:cNvPicPr>
-          <p:nvPr/>
-        </p:nvPicPr>
-        <p:blipFill>
-          <a:blip r:embed="rId3">
-            <a:extLst>
-              <a:ext uri="{28A0092B-C50C-407E-A947-70E740481C1C}">
-                <a14:useLocalDpi xmlns:a14="http://schemas.microsoft.com/office/drawing/2010/main" val="0"/>
-              </a:ext>
-            </a:extLst>
-          </a:blip>
-          <a:stretch>
-            <a:fillRect/>
-          </a:stretch>
-        </p:blipFill>
-        <p:spPr>
-          <a:xfrm>
-            <a:off x="11126009" y="5781675"/>
-            <a:ext cx="1088709" cy="1080000"/>
-          </a:xfrm>
-          <a:prstGeom prst="rect">
-            <a:avLst/>
-          </a:prstGeom>
-        </p:spPr>
-      </p:pic>
-      <p:pic>
-        <p:nvPicPr>
-          <p:cNvPr id="5" name="Picture 4"/>
-          <p:cNvPicPr>
-            <a:picLocks noChangeAspect="1"/>
-          </p:cNvPicPr>
-          <p:nvPr/>
-        </p:nvPicPr>
-        <p:blipFill>
-          <a:blip r:embed="rId4">
-            <a:extLst>
-              <a:ext uri="{28A0092B-C50C-407E-A947-70E740481C1C}">
-                <a14:useLocalDpi xmlns:a14="http://schemas.microsoft.com/office/drawing/2010/main" val="0"/>
-              </a:ext>
-            </a:extLst>
-          </a:blip>
-          <a:stretch>
-            <a:fillRect/>
-          </a:stretch>
-        </p:blipFill>
-        <p:spPr>
-          <a:xfrm>
-            <a:off x="1283149" y="1180096"/>
-            <a:ext cx="2980800" cy="4252231"/>
-          </a:xfrm>
-          <a:prstGeom prst="rect">
-            <a:avLst/>
-          </a:prstGeom>
-        </p:spPr>
-      </p:pic>
-      <p:sp>
-        <p:nvSpPr>
-          <p:cNvPr id="2" name="TextBox 1"/>
-          <p:cNvSpPr txBox="1"/>
-          <p:nvPr/>
-        </p:nvSpPr>
-        <p:spPr>
-          <a:xfrm>
-            <a:off x="5116882" y="1327759"/>
-            <a:ext cx="6851738" cy="1477328"/>
-          </a:xfrm>
-          <a:prstGeom prst="rect">
-            <a:avLst/>
-          </a:prstGeom>
-          <a:noFill/>
-        </p:spPr>
-        <p:txBody>
-          <a:bodyPr wrap="square" rtlCol="0">
-            <a:spAutoFit/>
-          </a:bodyPr>
-          <a:lstStyle/>
-          <a:p>
-            <a:r>
-              <a:rPr lang="en-GB" dirty="0"/>
-              <a:t>If you want to more you should get the Pester Book by Adam Bertram</a:t>
-            </a:r>
-          </a:p>
-          <a:p>
-            <a:endParaRPr lang="en-GB" dirty="0"/>
-          </a:p>
-          <a:p>
-            <a:r>
-              <a:rPr lang="en-GB" dirty="0">
-                <a:hlinkClick r:id="rId5"/>
-              </a:rPr>
-              <a:t>https://leanpub.com/pesterbook</a:t>
-            </a:r>
-            <a:r>
-              <a:rPr lang="en-GB" dirty="0"/>
-              <a:t> </a:t>
-            </a:r>
-          </a:p>
-          <a:p>
-            <a:endParaRPr lang="en-GB" dirty="0"/>
-          </a:p>
-          <a:p>
-            <a:endParaRPr lang="en-GB" dirty="0"/>
-          </a:p>
-        </p:txBody>
-      </p:sp>
-      <p:pic>
-        <p:nvPicPr>
-          <p:cNvPr id="1028" name="Picture 4" descr="The Pester Book"/>
-          <p:cNvPicPr>
-            <a:picLocks noChangeAspect="1" noChangeArrowheads="1"/>
-          </p:cNvPicPr>
-          <p:nvPr/>
-        </p:nvPicPr>
-        <p:blipFill>
-          <a:blip r:embed="rId6">
-            <a:extLst>
-              <a:ext uri="{28A0092B-C50C-407E-A947-70E740481C1C}">
-                <a14:useLocalDpi xmlns:a14="http://schemas.microsoft.com/office/drawing/2010/main" val="0"/>
-              </a:ext>
-            </a:extLst>
-          </a:blip>
-          <a:srcRect/>
-          <a:stretch>
-            <a:fillRect/>
-          </a:stretch>
-        </p:blipFill>
-        <p:spPr bwMode="auto">
-          <a:xfrm>
-            <a:off x="8766130" y="1835062"/>
-            <a:ext cx="2509381" cy="3764071"/>
-          </a:xfrm>
-          <a:prstGeom prst="rect">
-            <a:avLst/>
-          </a:prstGeom>
-          <a:noFill/>
-          <a:extLst>
-            <a:ext uri="{909E8E84-426E-40DD-AFC4-6F175D3DCCD1}">
-              <a14:hiddenFill xmlns:a14="http://schemas.microsoft.com/office/drawing/2010/main">
-                <a:solidFill>
-                  <a:srgbClr val="FFFFFF"/>
-                </a:solidFill>
-              </a14:hiddenFill>
-            </a:ext>
-          </a:extLst>
-        </p:spPr>
-      </p:pic>
-      <p:sp>
-        <p:nvSpPr>
-          <p:cNvPr id="3" name="TextBox 2"/>
-          <p:cNvSpPr txBox="1"/>
-          <p:nvPr/>
-        </p:nvSpPr>
-        <p:spPr>
-          <a:xfrm>
-            <a:off x="2198317" y="5505124"/>
-            <a:ext cx="8927692" cy="954107"/>
-          </a:xfrm>
-          <a:prstGeom prst="rect">
-            <a:avLst/>
-          </a:prstGeom>
-          <a:noFill/>
-        </p:spPr>
-        <p:txBody>
-          <a:bodyPr wrap="square" rtlCol="0">
-            <a:spAutoFit/>
-          </a:bodyPr>
-          <a:lstStyle/>
-          <a:p>
-            <a:r>
-              <a:rPr lang="en-GB" sz="2800" dirty="0"/>
-              <a:t>Rob Sewell - 	@</a:t>
-            </a:r>
-            <a:r>
-              <a:rPr lang="en-GB" sz="2800" dirty="0" err="1"/>
-              <a:t>SQLDBAWithBeard</a:t>
-            </a:r>
-            <a:r>
-              <a:rPr lang="en-GB" sz="2800" dirty="0"/>
-              <a:t> </a:t>
-            </a:r>
-          </a:p>
-          <a:p>
-            <a:r>
-              <a:rPr lang="en-GB" sz="2800" dirty="0"/>
-              <a:t>			SQLDBAWithABeard.com</a:t>
-            </a:r>
-          </a:p>
-        </p:txBody>
-      </p:sp>
-    </p:spTree>
-    <p:extLst>
-      <p:ext uri="{BB962C8B-B14F-4D97-AF65-F5344CB8AC3E}">
-        <p14:creationId xmlns:p14="http://schemas.microsoft.com/office/powerpoint/2010/main" val="1809566152"/>
       </p:ext>
     </p:extLst>
   </p:cSld>
@@ -6359,4 +7276,299 @@
     </a:ext>
   </a:extLst>
 </a:theme>
+</file>
+
+<file path=ppt/theme/theme2.xml><?xml version="1.0" encoding="utf-8"?>
+<a:theme xmlns:a="http://schemas.openxmlformats.org/drawingml/2006/main" name="Office Theme">
+  <a:themeElements>
+    <a:clrScheme name="Office">
+      <a:dk1>
+        <a:sysClr val="windowText" lastClr="000000"/>
+      </a:dk1>
+      <a:lt1>
+        <a:sysClr val="window" lastClr="FFFFFF"/>
+      </a:lt1>
+      <a:dk2>
+        <a:srgbClr val="44546A"/>
+      </a:dk2>
+      <a:lt2>
+        <a:srgbClr val="E7E6E6"/>
+      </a:lt2>
+      <a:accent1>
+        <a:srgbClr val="4472C4"/>
+      </a:accent1>
+      <a:accent2>
+        <a:srgbClr val="ED7D31"/>
+      </a:accent2>
+      <a:accent3>
+        <a:srgbClr val="A5A5A5"/>
+      </a:accent3>
+      <a:accent4>
+        <a:srgbClr val="FFC000"/>
+      </a:accent4>
+      <a:accent5>
+        <a:srgbClr val="5B9BD5"/>
+      </a:accent5>
+      <a:accent6>
+        <a:srgbClr val="70AD47"/>
+      </a:accent6>
+      <a:hlink>
+        <a:srgbClr val="0563C1"/>
+      </a:hlink>
+      <a:folHlink>
+        <a:srgbClr val="954F72"/>
+      </a:folHlink>
+    </a:clrScheme>
+    <a:fontScheme name="Office">
+      <a:majorFont>
+        <a:latin typeface="Calibri Light" panose="020F0302020204030204"/>
+        <a:ea typeface=""/>
+        <a:cs typeface=""/>
+        <a:font script="Jpan" typeface="游ゴシック Light"/>
+        <a:font script="Hang" typeface="맑은 고딕"/>
+        <a:font script="Hans" typeface="等线 Light"/>
+        <a:font script="Hant" typeface="新細明體"/>
+        <a:font script="Arab" typeface="Times New Roman"/>
+        <a:font script="Hebr" typeface="Times New Roman"/>
+        <a:font script="Thai" typeface="Angsana New"/>
+        <a:font script="Ethi" typeface="Nyala"/>
+        <a:font script="Beng" typeface="Vrinda"/>
+        <a:font script="Gujr" typeface="Shruti"/>
+        <a:font script="Khmr" typeface="MoolBoran"/>
+        <a:font script="Knda" typeface="Tunga"/>
+        <a:font script="Guru" typeface="Raavi"/>
+        <a:font script="Cans" typeface="Euphemia"/>
+        <a:font script="Cher" typeface="Plantagenet Cherokee"/>
+        <a:font script="Yiii" typeface="Microsoft Yi Baiti"/>
+        <a:font script="Tibt" typeface="Microsoft Himalaya"/>
+        <a:font script="Thaa" typeface="MV Boli"/>
+        <a:font script="Deva" typeface="Mangal"/>
+        <a:font script="Telu" typeface="Gautami"/>
+        <a:font script="Taml" typeface="Latha"/>
+        <a:font script="Syrc" typeface="Estrangelo Edessa"/>
+        <a:font script="Orya" typeface="Kalinga"/>
+        <a:font script="Mlym" typeface="Kartika"/>
+        <a:font script="Laoo" typeface="DokChampa"/>
+        <a:font script="Sinh" typeface="Iskoola Pota"/>
+        <a:font script="Mong" typeface="Mongolian Baiti"/>
+        <a:font script="Viet" typeface="Times New Roman"/>
+        <a:font script="Uigh" typeface="Microsoft Uighur"/>
+        <a:font script="Geor" typeface="Sylfaen"/>
+        <a:font script="Armn" typeface="Arial"/>
+        <a:font script="Bugi" typeface="Leelawadee UI"/>
+        <a:font script="Bopo" typeface="Microsoft JhengHei"/>
+        <a:font script="Java" typeface="Javanese Text"/>
+        <a:font script="Lisu" typeface="Segoe UI"/>
+        <a:font script="Mymr" typeface="Myanmar Text"/>
+        <a:font script="Nkoo" typeface="Ebrima"/>
+        <a:font script="Olck" typeface="Nirmala UI"/>
+        <a:font script="Osma" typeface="Ebrima"/>
+        <a:font script="Phag" typeface="Phagspa"/>
+        <a:font script="Syrn" typeface="Estrangelo Edessa"/>
+        <a:font script="Syrj" typeface="Estrangelo Edessa"/>
+        <a:font script="Syre" typeface="Estrangelo Edessa"/>
+        <a:font script="Sora" typeface="Nirmala UI"/>
+        <a:font script="Tale" typeface="Microsoft Tai Le"/>
+        <a:font script="Talu" typeface="Microsoft New Tai Lue"/>
+        <a:font script="Tfng" typeface="Ebrima"/>
+      </a:majorFont>
+      <a:minorFont>
+        <a:latin typeface="Calibri" panose="020F0502020204030204"/>
+        <a:ea typeface=""/>
+        <a:cs typeface=""/>
+        <a:font script="Jpan" typeface="游ゴシック"/>
+        <a:font script="Hang" typeface="맑은 고딕"/>
+        <a:font script="Hans" typeface="等线"/>
+        <a:font script="Hant" typeface="新細明體"/>
+        <a:font script="Arab" typeface="Arial"/>
+        <a:font script="Hebr" typeface="Arial"/>
+        <a:font script="Thai" typeface="Cordia New"/>
+        <a:font script="Ethi" typeface="Nyala"/>
+        <a:font script="Beng" typeface="Vrinda"/>
+        <a:font script="Gujr" typeface="Shruti"/>
+        <a:font script="Khmr" typeface="DaunPenh"/>
+        <a:font script="Knda" typeface="Tunga"/>
+        <a:font script="Guru" typeface="Raavi"/>
+        <a:font script="Cans" typeface="Euphemia"/>
+        <a:font script="Cher" typeface="Plantagenet Cherokee"/>
+        <a:font script="Yiii" typeface="Microsoft Yi Baiti"/>
+        <a:font script="Tibt" typeface="Microsoft Himalaya"/>
+        <a:font script="Thaa" typeface="MV Boli"/>
+        <a:font script="Deva" typeface="Mangal"/>
+        <a:font script="Telu" typeface="Gautami"/>
+        <a:font script="Taml" typeface="Latha"/>
+        <a:font script="Syrc" typeface="Estrangelo Edessa"/>
+        <a:font script="Orya" typeface="Kalinga"/>
+        <a:font script="Mlym" typeface="Kartika"/>
+        <a:font script="Laoo" typeface="DokChampa"/>
+        <a:font script="Sinh" typeface="Iskoola Pota"/>
+        <a:font script="Mong" typeface="Mongolian Baiti"/>
+        <a:font script="Viet" typeface="Arial"/>
+        <a:font script="Uigh" typeface="Microsoft Uighur"/>
+        <a:font script="Geor" typeface="Sylfaen"/>
+        <a:font script="Armn" typeface="Arial"/>
+        <a:font script="Bugi" typeface="Leelawadee UI"/>
+        <a:font script="Bopo" typeface="Microsoft JhengHei"/>
+        <a:font script="Java" typeface="Javanese Text"/>
+        <a:font script="Lisu" typeface="Segoe UI"/>
+        <a:font script="Mymr" typeface="Myanmar Text"/>
+        <a:font script="Nkoo" typeface="Ebrima"/>
+        <a:font script="Olck" typeface="Nirmala UI"/>
+        <a:font script="Osma" typeface="Ebrima"/>
+        <a:font script="Phag" typeface="Phagspa"/>
+        <a:font script="Syrn" typeface="Estrangelo Edessa"/>
+        <a:font script="Syrj" typeface="Estrangelo Edessa"/>
+        <a:font script="Syre" typeface="Estrangelo Edessa"/>
+        <a:font script="Sora" typeface="Nirmala UI"/>
+        <a:font script="Tale" typeface="Microsoft Tai Le"/>
+        <a:font script="Talu" typeface="Microsoft New Tai Lue"/>
+        <a:font script="Tfng" typeface="Ebrima"/>
+      </a:minorFont>
+    </a:fontScheme>
+    <a:fmtScheme name="Office">
+      <a:fillStyleLst>
+        <a:solidFill>
+          <a:schemeClr val="phClr"/>
+        </a:solidFill>
+        <a:gradFill rotWithShape="1">
+          <a:gsLst>
+            <a:gs pos="0">
+              <a:schemeClr val="phClr">
+                <a:lumMod val="110000"/>
+                <a:satMod val="105000"/>
+                <a:tint val="67000"/>
+              </a:schemeClr>
+            </a:gs>
+            <a:gs pos="50000">
+              <a:schemeClr val="phClr">
+                <a:lumMod val="105000"/>
+                <a:satMod val="103000"/>
+                <a:tint val="73000"/>
+              </a:schemeClr>
+            </a:gs>
+            <a:gs pos="100000">
+              <a:schemeClr val="phClr">
+                <a:lumMod val="105000"/>
+                <a:satMod val="109000"/>
+                <a:tint val="81000"/>
+              </a:schemeClr>
+            </a:gs>
+          </a:gsLst>
+          <a:lin ang="5400000" scaled="0"/>
+        </a:gradFill>
+        <a:gradFill rotWithShape="1">
+          <a:gsLst>
+            <a:gs pos="0">
+              <a:schemeClr val="phClr">
+                <a:satMod val="103000"/>
+                <a:lumMod val="102000"/>
+                <a:tint val="94000"/>
+              </a:schemeClr>
+            </a:gs>
+            <a:gs pos="50000">
+              <a:schemeClr val="phClr">
+                <a:satMod val="110000"/>
+                <a:lumMod val="100000"/>
+                <a:shade val="100000"/>
+              </a:schemeClr>
+            </a:gs>
+            <a:gs pos="100000">
+              <a:schemeClr val="phClr">
+                <a:lumMod val="99000"/>
+                <a:satMod val="120000"/>
+                <a:shade val="78000"/>
+              </a:schemeClr>
+            </a:gs>
+          </a:gsLst>
+          <a:lin ang="5400000" scaled="0"/>
+        </a:gradFill>
+      </a:fillStyleLst>
+      <a:lnStyleLst>
+        <a:ln w="6350" cap="flat" cmpd="sng" algn="ctr">
+          <a:solidFill>
+            <a:schemeClr val="phClr"/>
+          </a:solidFill>
+          <a:prstDash val="solid"/>
+          <a:miter lim="800000"/>
+        </a:ln>
+        <a:ln w="12700" cap="flat" cmpd="sng" algn="ctr">
+          <a:solidFill>
+            <a:schemeClr val="phClr"/>
+          </a:solidFill>
+          <a:prstDash val="solid"/>
+          <a:miter lim="800000"/>
+        </a:ln>
+        <a:ln w="19050" cap="flat" cmpd="sng" algn="ctr">
+          <a:solidFill>
+            <a:schemeClr val="phClr"/>
+          </a:solidFill>
+          <a:prstDash val="solid"/>
+          <a:miter lim="800000"/>
+        </a:ln>
+      </a:lnStyleLst>
+      <a:effectStyleLst>
+        <a:effectStyle>
+          <a:effectLst/>
+        </a:effectStyle>
+        <a:effectStyle>
+          <a:effectLst/>
+        </a:effectStyle>
+        <a:effectStyle>
+          <a:effectLst>
+            <a:outerShdw blurRad="57150" dist="19050" dir="5400000" algn="ctr" rotWithShape="0">
+              <a:srgbClr val="000000">
+                <a:alpha val="63000"/>
+              </a:srgbClr>
+            </a:outerShdw>
+          </a:effectLst>
+        </a:effectStyle>
+      </a:effectStyleLst>
+      <a:bgFillStyleLst>
+        <a:solidFill>
+          <a:schemeClr val="phClr"/>
+        </a:solidFill>
+        <a:solidFill>
+          <a:schemeClr val="phClr">
+            <a:tint val="95000"/>
+            <a:satMod val="170000"/>
+          </a:schemeClr>
+        </a:solidFill>
+        <a:gradFill rotWithShape="1">
+          <a:gsLst>
+            <a:gs pos="0">
+              <a:schemeClr val="phClr">
+                <a:tint val="93000"/>
+                <a:satMod val="150000"/>
+                <a:shade val="98000"/>
+                <a:lumMod val="102000"/>
+              </a:schemeClr>
+            </a:gs>
+            <a:gs pos="50000">
+              <a:schemeClr val="phClr">
+                <a:tint val="98000"/>
+                <a:satMod val="130000"/>
+                <a:shade val="90000"/>
+                <a:lumMod val="103000"/>
+              </a:schemeClr>
+            </a:gs>
+            <a:gs pos="100000">
+              <a:schemeClr val="phClr">
+                <a:shade val="63000"/>
+                <a:satMod val="120000"/>
+              </a:schemeClr>
+            </a:gs>
+          </a:gsLst>
+          <a:lin ang="5400000" scaled="0"/>
+        </a:gradFill>
+      </a:bgFillStyleLst>
+    </a:fmtScheme>
+  </a:themeElements>
+  <a:objectDefaults/>
+  <a:extraClrSchemeLst/>
+  <a:extLst>
+    <a:ext uri="{05A4C25C-085E-4340-85A3-A5531E510DB2}">
+      <thm15:themeFamily xmlns:thm15="http://schemas.microsoft.com/office/thememl/2012/main" name="Office Theme" id="{62F939B6-93AF-4DB8-9C6B-D6C7DFDC589F}" vid="{4A3C46E8-61CC-4603-A589-7422A47A8E4A}"/>
+    </a:ext>
+  </a:extLst>
+</a:theme>
 </file>
--- a/TUGAIT 2017 - Pester/TUGAIT 2017 - Introduction to Pester.pptx
+++ b/TUGAIT 2017 - Pester/TUGAIT 2017 - Introduction to Pester.pptx
@@ -544,11 +544,7 @@
           <a:p>
             <a:r>
               <a:rPr lang="en-GB" dirty="0"/>
-              <a:t>Does it still do what we want when we make </a:t>
-            </a:r>
-            <a:r>
-              <a:rPr lang="en-GB"/>
-              <a:t>big changes</a:t>
+              <a:t>Does it still do what we want when we make big changes</a:t>
             </a:r>
           </a:p>
         </p:txBody>

--- a/TUGAIT 2017 - Pester/TUGAIT 2017 - Introduction to Pester.pptx
+++ b/TUGAIT 2017 - Pester/TUGAIT 2017 - Introduction to Pester.pptx
@@ -206,7 +206,7 @@
           <a:p>
             <a:fld id="{26835C53-25D9-4FBA-BE0F-50AE2762F010}" type="datetimeFigureOut">
               <a:rPr lang="en-GB" smtClean="0"/>
-              <a:t>18/05/2017</a:t>
+              <a:t>20/05/2017</a:t>
             </a:fld>
             <a:endParaRPr lang="en-GB"/>
           </a:p>
@@ -800,7 +800,7 @@
           <a:p>
             <a:fld id="{0E9FF321-A082-456B-A347-A910A2958839}" type="datetimeFigureOut">
               <a:rPr lang="pt-PT" smtClean="0"/>
-              <a:t>18/05/2017</a:t>
+              <a:t>20/05/2017</a:t>
             </a:fld>
             <a:endParaRPr lang="pt-PT"/>
           </a:p>
@@ -970,7 +970,7 @@
           <a:p>
             <a:fld id="{0E9FF321-A082-456B-A347-A910A2958839}" type="datetimeFigureOut">
               <a:rPr lang="pt-PT" smtClean="0"/>
-              <a:t>18/05/2017</a:t>
+              <a:t>20/05/2017</a:t>
             </a:fld>
             <a:endParaRPr lang="pt-PT"/>
           </a:p>
@@ -1150,7 +1150,7 @@
           <a:p>
             <a:fld id="{0E9FF321-A082-456B-A347-A910A2958839}" type="datetimeFigureOut">
               <a:rPr lang="pt-PT" smtClean="0"/>
-              <a:t>18/05/2017</a:t>
+              <a:t>20/05/2017</a:t>
             </a:fld>
             <a:endParaRPr lang="pt-PT"/>
           </a:p>
@@ -1320,7 +1320,7 @@
           <a:p>
             <a:fld id="{0E9FF321-A082-456B-A347-A910A2958839}" type="datetimeFigureOut">
               <a:rPr lang="pt-PT" smtClean="0"/>
-              <a:t>18/05/2017</a:t>
+              <a:t>20/05/2017</a:t>
             </a:fld>
             <a:endParaRPr lang="pt-PT"/>
           </a:p>
@@ -1566,7 +1566,7 @@
           <a:p>
             <a:fld id="{0E9FF321-A082-456B-A347-A910A2958839}" type="datetimeFigureOut">
               <a:rPr lang="pt-PT" smtClean="0"/>
-              <a:t>18/05/2017</a:t>
+              <a:t>20/05/2017</a:t>
             </a:fld>
             <a:endParaRPr lang="pt-PT"/>
           </a:p>
@@ -1798,7 +1798,7 @@
           <a:p>
             <a:fld id="{0E9FF321-A082-456B-A347-A910A2958839}" type="datetimeFigureOut">
               <a:rPr lang="pt-PT" smtClean="0"/>
-              <a:t>18/05/2017</a:t>
+              <a:t>20/05/2017</a:t>
             </a:fld>
             <a:endParaRPr lang="pt-PT"/>
           </a:p>
@@ -2165,7 +2165,7 @@
           <a:p>
             <a:fld id="{0E9FF321-A082-456B-A347-A910A2958839}" type="datetimeFigureOut">
               <a:rPr lang="pt-PT" smtClean="0"/>
-              <a:t>18/05/2017</a:t>
+              <a:t>20/05/2017</a:t>
             </a:fld>
             <a:endParaRPr lang="pt-PT"/>
           </a:p>
@@ -2283,7 +2283,7 @@
           <a:p>
             <a:fld id="{0E9FF321-A082-456B-A347-A910A2958839}" type="datetimeFigureOut">
               <a:rPr lang="pt-PT" smtClean="0"/>
-              <a:t>18/05/2017</a:t>
+              <a:t>20/05/2017</a:t>
             </a:fld>
             <a:endParaRPr lang="pt-PT"/>
           </a:p>
@@ -2378,7 +2378,7 @@
           <a:p>
             <a:fld id="{0E9FF321-A082-456B-A347-A910A2958839}" type="datetimeFigureOut">
               <a:rPr lang="pt-PT" smtClean="0"/>
-              <a:t>18/05/2017</a:t>
+              <a:t>20/05/2017</a:t>
             </a:fld>
             <a:endParaRPr lang="pt-PT"/>
           </a:p>
@@ -2655,7 +2655,7 @@
           <a:p>
             <a:fld id="{0E9FF321-A082-456B-A347-A910A2958839}" type="datetimeFigureOut">
               <a:rPr lang="pt-PT" smtClean="0"/>
-              <a:t>18/05/2017</a:t>
+              <a:t>20/05/2017</a:t>
             </a:fld>
             <a:endParaRPr lang="pt-PT"/>
           </a:p>
@@ -2908,7 +2908,7 @@
           <a:p>
             <a:fld id="{0E9FF321-A082-456B-A347-A910A2958839}" type="datetimeFigureOut">
               <a:rPr lang="pt-PT" smtClean="0"/>
-              <a:t>18/05/2017</a:t>
+              <a:t>20/05/2017</a:t>
             </a:fld>
             <a:endParaRPr lang="pt-PT"/>
           </a:p>
@@ -3131,7 +3131,7 @@
           <a:p>
             <a:fld id="{0E9FF321-A082-456B-A347-A910A2958839}" type="datetimeFigureOut">
               <a:rPr lang="pt-PT" smtClean="0"/>
-              <a:t>18/05/2017</a:t>
+              <a:t>20/05/2017</a:t>
             </a:fld>
             <a:endParaRPr lang="pt-PT"/>
           </a:p>
@@ -4174,8 +4174,8 @@
         </p:nvSpPr>
         <p:spPr>
           <a:xfrm>
-            <a:off x="5116882" y="1327759"/>
-            <a:ext cx="6851738" cy="1477328"/>
+            <a:off x="8133566" y="302933"/>
+            <a:ext cx="4058434" cy="1754326"/>
           </a:xfrm>
           <a:prstGeom prst="rect">
             <a:avLst/>
@@ -4189,8 +4189,12 @@
           <a:lstStyle/>
           <a:p>
             <a:r>
+              <a:rPr lang="en-GB"/>
+              <a:t>You </a:t>
+            </a:r>
+            <a:r>
               <a:rPr lang="en-GB" dirty="0"/>
-              <a:t>If you want to more you should get the Pester Book by Adam Bertram</a:t>
+              <a:t>should get the Pester Book by Adam Bertram</a:t>
             </a:r>
           </a:p>
           <a:p>

--- a/TUGAIT 2017 - Pester/TUGAIT 2017 - Introduction to Pester.pptx
+++ b/TUGAIT 2017 - Pester/TUGAIT 2017 - Introduction to Pester.pptx
@@ -206,7 +206,7 @@
           <a:p>
             <a:fld id="{26835C53-25D9-4FBA-BE0F-50AE2762F010}" type="datetimeFigureOut">
               <a:rPr lang="en-GB" smtClean="0"/>
-              <a:t>20/05/2017</a:t>
+              <a:t>17/06/2017</a:t>
             </a:fld>
             <a:endParaRPr lang="en-GB"/>
           </a:p>
@@ -800,7 +800,7 @@
           <a:p>
             <a:fld id="{0E9FF321-A082-456B-A347-A910A2958839}" type="datetimeFigureOut">
               <a:rPr lang="pt-PT" smtClean="0"/>
-              <a:t>20/05/2017</a:t>
+              <a:t>17/06/2017</a:t>
             </a:fld>
             <a:endParaRPr lang="pt-PT"/>
           </a:p>
@@ -970,7 +970,7 @@
           <a:p>
             <a:fld id="{0E9FF321-A082-456B-A347-A910A2958839}" type="datetimeFigureOut">
               <a:rPr lang="pt-PT" smtClean="0"/>
-              <a:t>20/05/2017</a:t>
+              <a:t>17/06/2017</a:t>
             </a:fld>
             <a:endParaRPr lang="pt-PT"/>
           </a:p>
@@ -1150,7 +1150,7 @@
           <a:p>
             <a:fld id="{0E9FF321-A082-456B-A347-A910A2958839}" type="datetimeFigureOut">
               <a:rPr lang="pt-PT" smtClean="0"/>
-              <a:t>20/05/2017</a:t>
+              <a:t>17/06/2017</a:t>
             </a:fld>
             <a:endParaRPr lang="pt-PT"/>
           </a:p>
@@ -1320,7 +1320,7 @@
           <a:p>
             <a:fld id="{0E9FF321-A082-456B-A347-A910A2958839}" type="datetimeFigureOut">
               <a:rPr lang="pt-PT" smtClean="0"/>
-              <a:t>20/05/2017</a:t>
+              <a:t>17/06/2017</a:t>
             </a:fld>
             <a:endParaRPr lang="pt-PT"/>
           </a:p>
@@ -1566,7 +1566,7 @@
           <a:p>
             <a:fld id="{0E9FF321-A082-456B-A347-A910A2958839}" type="datetimeFigureOut">
               <a:rPr lang="pt-PT" smtClean="0"/>
-              <a:t>20/05/2017</a:t>
+              <a:t>17/06/2017</a:t>
             </a:fld>
             <a:endParaRPr lang="pt-PT"/>
           </a:p>
@@ -1798,7 +1798,7 @@
           <a:p>
             <a:fld id="{0E9FF321-A082-456B-A347-A910A2958839}" type="datetimeFigureOut">
               <a:rPr lang="pt-PT" smtClean="0"/>
-              <a:t>20/05/2017</a:t>
+              <a:t>17/06/2017</a:t>
             </a:fld>
             <a:endParaRPr lang="pt-PT"/>
           </a:p>
@@ -2165,7 +2165,7 @@
           <a:p>
             <a:fld id="{0E9FF321-A082-456B-A347-A910A2958839}" type="datetimeFigureOut">
               <a:rPr lang="pt-PT" smtClean="0"/>
-              <a:t>20/05/2017</a:t>
+              <a:t>17/06/2017</a:t>
             </a:fld>
             <a:endParaRPr lang="pt-PT"/>
           </a:p>
@@ -2283,7 +2283,7 @@
           <a:p>
             <a:fld id="{0E9FF321-A082-456B-A347-A910A2958839}" type="datetimeFigureOut">
               <a:rPr lang="pt-PT" smtClean="0"/>
-              <a:t>20/05/2017</a:t>
+              <a:t>17/06/2017</a:t>
             </a:fld>
             <a:endParaRPr lang="pt-PT"/>
           </a:p>
@@ -2378,7 +2378,7 @@
           <a:p>
             <a:fld id="{0E9FF321-A082-456B-A347-A910A2958839}" type="datetimeFigureOut">
               <a:rPr lang="pt-PT" smtClean="0"/>
-              <a:t>20/05/2017</a:t>
+              <a:t>17/06/2017</a:t>
             </a:fld>
             <a:endParaRPr lang="pt-PT"/>
           </a:p>
@@ -2655,7 +2655,7 @@
           <a:p>
             <a:fld id="{0E9FF321-A082-456B-A347-A910A2958839}" type="datetimeFigureOut">
               <a:rPr lang="pt-PT" smtClean="0"/>
-              <a:t>20/05/2017</a:t>
+              <a:t>17/06/2017</a:t>
             </a:fld>
             <a:endParaRPr lang="pt-PT"/>
           </a:p>
@@ -2908,7 +2908,7 @@
           <a:p>
             <a:fld id="{0E9FF321-A082-456B-A347-A910A2958839}" type="datetimeFigureOut">
               <a:rPr lang="pt-PT" smtClean="0"/>
-              <a:t>20/05/2017</a:t>
+              <a:t>17/06/2017</a:t>
             </a:fld>
             <a:endParaRPr lang="pt-PT"/>
           </a:p>
@@ -3131,7 +3131,7 @@
           <a:p>
             <a:fld id="{0E9FF321-A082-456B-A347-A910A2958839}" type="datetimeFigureOut">
               <a:rPr lang="pt-PT" smtClean="0"/>
-              <a:t>20/05/2017</a:t>
+              <a:t>17/06/2017</a:t>
             </a:fld>
             <a:endParaRPr lang="pt-PT"/>
           </a:p>
@@ -3550,135 +3550,6 @@
           <a:chExt cx="0" cy="0"/>
         </a:xfrm>
       </p:grpSpPr>
-      <p:pic>
-        <p:nvPicPr>
-          <p:cNvPr id="14" name="Picture 13"/>
-          <p:cNvPicPr>
-            <a:picLocks noChangeAspect="1"/>
-          </p:cNvPicPr>
-          <p:nvPr/>
-        </p:nvPicPr>
-        <p:blipFill>
-          <a:blip r:embed="rId3"/>
-          <a:stretch>
-            <a:fillRect/>
-          </a:stretch>
-        </p:blipFill>
-        <p:spPr>
-          <a:xfrm>
-            <a:off x="249680" y="376979"/>
-            <a:ext cx="4322320" cy="4212613"/>
-          </a:xfrm>
-          <a:prstGeom prst="rect">
-            <a:avLst/>
-          </a:prstGeom>
-        </p:spPr>
-      </p:pic>
-      <p:sp>
-        <p:nvSpPr>
-          <p:cNvPr id="2" name="Title 1"/>
-          <p:cNvSpPr>
-            <a:spLocks noGrp="1"/>
-          </p:cNvSpPr>
-          <p:nvPr>
-            <p:ph type="ctrTitle"/>
-          </p:nvPr>
-        </p:nvSpPr>
-        <p:spPr>
-          <a:xfrm>
-            <a:off x="364704" y="5437695"/>
-            <a:ext cx="6278700" cy="1058002"/>
-          </a:xfrm>
-          <a:noFill/>
-        </p:spPr>
-        <p:txBody>
-          <a:bodyPr>
-            <a:normAutofit/>
-          </a:bodyPr>
-          <a:lstStyle/>
-          <a:p>
-            <a:r>
-              <a:rPr lang="pt-PT" dirty="0">
-                <a:solidFill>
-                  <a:srgbClr val="A5382D"/>
-                </a:solidFill>
-                <a:latin typeface="Gill Sans MT Condensed" panose="020B0506020104020203" pitchFamily="34" charset="0"/>
-              </a:rPr>
-              <a:t>TUGA</a:t>
-            </a:r>
-            <a:r>
-              <a:rPr lang="pt-PT" dirty="0">
-                <a:latin typeface="Gill Sans MT Condensed" panose="020B0506020104020203" pitchFamily="34" charset="0"/>
-              </a:rPr>
-              <a:t> </a:t>
-            </a:r>
-            <a:r>
-              <a:rPr lang="pt-PT" dirty="0">
-                <a:solidFill>
-                  <a:srgbClr val="798942"/>
-                </a:solidFill>
-                <a:latin typeface="Gill Sans MT Condensed" panose="020B0506020104020203" pitchFamily="34" charset="0"/>
-              </a:rPr>
-              <a:t>IT</a:t>
-            </a:r>
-            <a:r>
-              <a:rPr lang="pt-PT" dirty="0">
-                <a:latin typeface="Gill Sans MT Condensed" panose="020B0506020104020203" pitchFamily="34" charset="0"/>
-              </a:rPr>
-              <a:t> </a:t>
-            </a:r>
-            <a:r>
-              <a:rPr lang="pt-PT" dirty="0">
-                <a:solidFill>
-                  <a:schemeClr val="tx1">
-                    <a:lumMod val="75000"/>
-                    <a:lumOff val="25000"/>
-                  </a:schemeClr>
-                </a:solidFill>
-                <a:latin typeface="Gill Sans MT Condensed" panose="020B0506020104020203" pitchFamily="34" charset="0"/>
-              </a:rPr>
-              <a:t>2017</a:t>
-            </a:r>
-          </a:p>
-        </p:txBody>
-      </p:sp>
-      <p:sp>
-        <p:nvSpPr>
-          <p:cNvPr id="3" name="Subtitle 2"/>
-          <p:cNvSpPr>
-            <a:spLocks noGrp="1"/>
-          </p:cNvSpPr>
-          <p:nvPr>
-            <p:ph type="subTitle" idx="1"/>
-          </p:nvPr>
-        </p:nvSpPr>
-        <p:spPr>
-          <a:xfrm>
-            <a:off x="5268645" y="5749446"/>
-            <a:ext cx="6278700" cy="435163"/>
-          </a:xfrm>
-          <a:noFill/>
-        </p:spPr>
-        <p:txBody>
-          <a:bodyPr>
-            <a:normAutofit/>
-          </a:bodyPr>
-          <a:lstStyle/>
-          <a:p>
-            <a:r>
-              <a:rPr lang="pt-PT" dirty="0">
-                <a:solidFill>
-                  <a:schemeClr val="tx1">
-                    <a:lumMod val="75000"/>
-                    <a:lumOff val="25000"/>
-                  </a:schemeClr>
-                </a:solidFill>
-              </a:rPr>
-              <a:t>LISBON, PORTUGAL</a:t>
-            </a:r>
-          </a:p>
-        </p:txBody>
-      </p:sp>
       <p:sp>
         <p:nvSpPr>
           <p:cNvPr id="4" name="TextBox 3"/>
@@ -3687,8 +3558,8 @@
         </p:nvSpPr>
         <p:spPr>
           <a:xfrm>
-            <a:off x="4572000" y="990935"/>
-            <a:ext cx="7509354" cy="3970318"/>
+            <a:off x="807930" y="702835"/>
+            <a:ext cx="10340234" cy="5262979"/>
           </a:xfrm>
           <a:prstGeom prst="rect">
             <a:avLst/>
@@ -3708,15 +3579,33 @@
               <a:t> </a:t>
             </a:r>
             <a:r>
-              <a:rPr lang="en-GB" dirty="0">
+              <a:rPr lang="en-GB" sz="2400" dirty="0">
                 <a:solidFill>
                   <a:srgbClr val="00FF00"/>
                 </a:solidFill>
                 <a:latin typeface="Lucida Console" panose="020B0609040504020204" pitchFamily="49" charset="0"/>
               </a:rPr>
-              <a:t>Describing TUGAIT Presentation</a:t>
-            </a:r>
-            <a:endParaRPr lang="en-GB" dirty="0">
+              <a:t>Describing SQL </a:t>
+            </a:r>
+            <a:r>
+              <a:rPr lang="en-GB" sz="2400">
+                <a:solidFill>
+                  <a:srgbClr val="00FF00"/>
+                </a:solidFill>
+                <a:latin typeface="Lucida Console" panose="020B0609040504020204" pitchFamily="49" charset="0"/>
+              </a:rPr>
+              <a:t>Saturday Dublin </a:t>
+            </a:r>
+            <a:r>
+              <a:rPr lang="en-GB" sz="2400" dirty="0">
+                <a:solidFill>
+                  <a:srgbClr val="00FF00"/>
+                </a:solidFill>
+                <a:latin typeface="Lucida Console" panose="020B0609040504020204" pitchFamily="49" charset="0"/>
+              </a:rPr>
+              <a:t>Presentation</a:t>
+            </a:r>
+            <a:endParaRPr lang="en-GB" sz="2400" dirty="0">
               <a:solidFill>
                 <a:srgbClr val="F5F5F5"/>
               </a:solidFill>
@@ -3724,7 +3613,7 @@
             </a:endParaRPr>
           </a:p>
           <a:p>
-            <a:endParaRPr lang="en-GB" dirty="0">
+            <a:endParaRPr lang="en-GB" sz="2400" dirty="0">
               <a:solidFill>
                 <a:srgbClr val="F5F5F5"/>
               </a:solidFill>
@@ -3733,7 +3622,7 @@
           </a:p>
           <a:p>
             <a:r>
-              <a:rPr lang="en-GB" dirty="0">
+              <a:rPr lang="en-GB" sz="2400" dirty="0">
                 <a:solidFill>
                   <a:srgbClr val="00FF00"/>
                 </a:solidFill>
@@ -3741,7 +3630,7 @@
               </a:rPr>
               <a:t>  Context Presentation</a:t>
             </a:r>
-            <a:endParaRPr lang="en-GB" dirty="0">
+            <a:endParaRPr lang="en-GB" sz="2400" dirty="0">
               <a:solidFill>
                 <a:srgbClr val="F5F5F5"/>
               </a:solidFill>
@@ -3750,7 +3639,7 @@
           </a:p>
           <a:p>
             <a:r>
-              <a:rPr lang="en-GB" dirty="0">
+              <a:rPr lang="en-GB" sz="2400" dirty="0">
                 <a:solidFill>
                   <a:srgbClr val="006400"/>
                 </a:solidFill>
@@ -3759,7 +3648,7 @@
               <a:t>    [+] Title Should Be </a:t>
             </a:r>
             <a:r>
-              <a:rPr lang="en-GB" dirty="0">
+              <a:rPr lang="en-GB" sz="2400" dirty="0">
                 <a:solidFill>
                   <a:srgbClr val="006400"/>
                 </a:solidFill>
@@ -3771,7 +3660,7 @@
               <a:t>'Introduction to Pester‘</a:t>
             </a:r>
             <a:r>
-              <a:rPr lang="en-GB" dirty="0">
+              <a:rPr lang="en-GB" sz="2400" dirty="0">
                 <a:solidFill>
                   <a:srgbClr val="006400"/>
                 </a:solidFill>
@@ -3780,7 +3669,7 @@
               <a:t> </a:t>
             </a:r>
             <a:r>
-              <a:rPr lang="en-GB" dirty="0">
+              <a:rPr lang="en-GB" sz="2400" dirty="0">
                 <a:solidFill>
                   <a:srgbClr val="808080"/>
                 </a:solidFill>
@@ -3788,7 +3677,7 @@
               </a:rPr>
               <a:t>89ms</a:t>
             </a:r>
-            <a:endParaRPr lang="en-GB" dirty="0">
+            <a:endParaRPr lang="en-GB" sz="2400" dirty="0">
               <a:solidFill>
                 <a:srgbClr val="F5F5F5"/>
               </a:solidFill>
@@ -3797,7 +3686,7 @@
           </a:p>
           <a:p>
             <a:r>
-              <a:rPr lang="en-GB" dirty="0">
+              <a:rPr lang="en-GB" sz="2400" dirty="0">
                 <a:solidFill>
                   <a:srgbClr val="006400"/>
                 </a:solidFill>
@@ -3806,7 +3695,7 @@
               <a:t>    [+] Should have many Demos </a:t>
             </a:r>
             <a:r>
-              <a:rPr lang="en-GB" dirty="0">
+              <a:rPr lang="en-GB" sz="2400" dirty="0">
                 <a:solidFill>
                   <a:srgbClr val="808080"/>
                 </a:solidFill>
@@ -3814,7 +3703,7 @@
               </a:rPr>
               <a:t>8ms</a:t>
             </a:r>
-            <a:endParaRPr lang="en-GB" dirty="0">
+            <a:endParaRPr lang="en-GB" sz="2400" dirty="0">
               <a:solidFill>
                 <a:srgbClr val="F5F5F5"/>
               </a:solidFill>
@@ -3822,7 +3711,7 @@
             </a:endParaRPr>
           </a:p>
           <a:p>
-            <a:endParaRPr lang="en-GB" dirty="0">
+            <a:endParaRPr lang="en-GB" sz="2400" dirty="0">
               <a:solidFill>
                 <a:srgbClr val="F5F5F5"/>
               </a:solidFill>
@@ -3831,7 +3720,7 @@
           </a:p>
           <a:p>
             <a:r>
-              <a:rPr lang="en-GB" dirty="0">
+              <a:rPr lang="en-GB" sz="2400" dirty="0">
                 <a:solidFill>
                   <a:srgbClr val="00FF00"/>
                 </a:solidFill>
@@ -3839,7 +3728,7 @@
               </a:rPr>
               <a:t>  Context Speaker</a:t>
             </a:r>
-            <a:endParaRPr lang="en-GB" dirty="0">
+            <a:endParaRPr lang="en-GB" sz="2400" dirty="0">
               <a:solidFill>
                 <a:srgbClr val="F5F5F5"/>
               </a:solidFill>
@@ -3848,7 +3737,7 @@
           </a:p>
           <a:p>
             <a:r>
-              <a:rPr lang="en-GB" dirty="0">
+              <a:rPr lang="en-GB" sz="2400" dirty="0">
                 <a:solidFill>
                   <a:srgbClr val="006400"/>
                 </a:solidFill>
@@ -3857,7 +3746,7 @@
               <a:t>    [+] Name </a:t>
             </a:r>
             <a:r>
-              <a:rPr lang="en-GB" dirty="0" err="1">
+              <a:rPr lang="en-GB" sz="2400" dirty="0" err="1">
                 <a:solidFill>
                   <a:srgbClr val="006400"/>
                 </a:solidFill>
@@ -3866,7 +3755,7 @@
               <a:t>shoud</a:t>
             </a:r>
             <a:r>
-              <a:rPr lang="en-GB" dirty="0">
+              <a:rPr lang="en-GB" sz="2400" dirty="0">
                 <a:solidFill>
                   <a:srgbClr val="006400"/>
                 </a:solidFill>
@@ -3875,7 +3764,7 @@
               <a:t> be Rob Sewell </a:t>
             </a:r>
             <a:r>
-              <a:rPr lang="en-GB" dirty="0">
+              <a:rPr lang="en-GB" sz="2400" dirty="0">
                 <a:solidFill>
                   <a:srgbClr val="808080"/>
                 </a:solidFill>
@@ -3883,7 +3772,7 @@
               </a:rPr>
               <a:t>51ms</a:t>
             </a:r>
-            <a:endParaRPr lang="en-GB" dirty="0">
+            <a:endParaRPr lang="en-GB" sz="2400" dirty="0">
               <a:solidFill>
                 <a:srgbClr val="F5F5F5"/>
               </a:solidFill>
@@ -3892,7 +3781,7 @@
           </a:p>
           <a:p>
             <a:r>
-              <a:rPr lang="en-GB" dirty="0">
+              <a:rPr lang="en-GB" sz="2400" dirty="0">
                 <a:solidFill>
                   <a:srgbClr val="006400"/>
                 </a:solidFill>
@@ -3901,7 +3790,7 @@
               <a:t>    [+] Twitter Should be @</a:t>
             </a:r>
             <a:r>
-              <a:rPr lang="en-GB" dirty="0" err="1">
+              <a:rPr lang="en-GB" sz="2400" dirty="0" err="1">
                 <a:solidFill>
                   <a:srgbClr val="006400"/>
                 </a:solidFill>
@@ -3910,7 +3799,7 @@
               <a:t>sqldbawithbeard</a:t>
             </a:r>
             <a:r>
-              <a:rPr lang="en-GB" dirty="0">
+              <a:rPr lang="en-GB" sz="2400" dirty="0">
                 <a:solidFill>
                   <a:srgbClr val="006400"/>
                 </a:solidFill>
@@ -3919,7 +3808,7 @@
               <a:t> </a:t>
             </a:r>
             <a:r>
-              <a:rPr lang="en-GB" dirty="0">
+              <a:rPr lang="en-GB" sz="2400" dirty="0">
                 <a:solidFill>
                   <a:srgbClr val="808080"/>
                 </a:solidFill>
@@ -3927,7 +3816,7 @@
               </a:rPr>
               <a:t>19ms</a:t>
             </a:r>
-            <a:endParaRPr lang="en-GB" dirty="0">
+            <a:endParaRPr lang="en-GB" sz="2400" dirty="0">
               <a:solidFill>
                 <a:srgbClr val="F5F5F5"/>
               </a:solidFill>
@@ -3936,7 +3825,7 @@
           </a:p>
           <a:p>
             <a:r>
-              <a:rPr lang="en-GB" dirty="0">
+              <a:rPr lang="en-GB" sz="2400" dirty="0">
                 <a:solidFill>
                   <a:srgbClr val="006400"/>
                 </a:solidFill>
@@ -3945,7 +3834,7 @@
               <a:t>    [+] Website Should be sqldbawithAbeard.com </a:t>
             </a:r>
             <a:r>
-              <a:rPr lang="en-GB" dirty="0">
+              <a:rPr lang="en-GB" sz="2400" dirty="0">
                 <a:solidFill>
                   <a:srgbClr val="808080"/>
                 </a:solidFill>
@@ -3953,7 +3842,7 @@
               </a:rPr>
               <a:t>12ms</a:t>
             </a:r>
-            <a:endParaRPr lang="en-GB" dirty="0">
+            <a:endParaRPr lang="en-GB" sz="2400" dirty="0">
               <a:solidFill>
                 <a:srgbClr val="F5F5F5"/>
               </a:solidFill>
@@ -3961,7 +3850,7 @@
             </a:endParaRPr>
           </a:p>
           <a:p>
-            <a:endParaRPr lang="en-GB" dirty="0">
+            <a:endParaRPr lang="en-GB" sz="2400" dirty="0">
               <a:solidFill>
                 <a:srgbClr val="F5F5F5"/>
               </a:solidFill>
@@ -3970,7 +3859,7 @@
           </a:p>
           <a:p>
             <a:r>
-              <a:rPr lang="en-GB" dirty="0">
+              <a:rPr lang="en-GB" sz="2400" dirty="0">
                 <a:solidFill>
                   <a:srgbClr val="00FF00"/>
                 </a:solidFill>
@@ -3978,7 +3867,7 @@
               </a:rPr>
               <a:t>  Context Audience</a:t>
             </a:r>
-            <a:endParaRPr lang="en-GB" dirty="0">
+            <a:endParaRPr lang="en-GB" sz="2400" dirty="0">
               <a:solidFill>
                 <a:srgbClr val="F5F5F5"/>
               </a:solidFill>
@@ -3987,7 +3876,7 @@
           </a:p>
           <a:p>
             <a:r>
-              <a:rPr lang="en-GB" dirty="0">
+              <a:rPr lang="en-GB" sz="2400" dirty="0">
                 <a:solidFill>
                   <a:srgbClr val="006400"/>
                 </a:solidFill>
@@ -3996,7 +3885,7 @@
               <a:t>    [+] Audience should be awesome </a:t>
             </a:r>
             <a:r>
-              <a:rPr lang="en-GB" dirty="0">
+              <a:rPr lang="en-GB" sz="2400" dirty="0">
                 <a:solidFill>
                   <a:srgbClr val="808080"/>
                 </a:solidFill>
@@ -4004,7 +3893,7 @@
               </a:rPr>
               <a:t>60ms</a:t>
             </a:r>
-            <a:endParaRPr lang="en-GB" dirty="0">
+            <a:endParaRPr lang="en-GB" sz="2400" dirty="0">
               <a:solidFill>
                 <a:srgbClr val="F5F5F5"/>
               </a:solidFill>
@@ -4013,7 +3902,7 @@
           </a:p>
           <a:p>
             <a:r>
-              <a:rPr lang="en-GB" dirty="0">
+              <a:rPr lang="en-GB" sz="2400" dirty="0">
                 <a:solidFill>
                   <a:srgbClr val="FFFF00"/>
                 </a:solidFill>
